--- a/MSc Work/MSC_Project/Usecase diagram.pptx
+++ b/MSc Work/MSC_Project/Usecase diagram.pptx
@@ -104,6 +104,11 @@
       </a:defRPr>
     </a:lvl9pPr>
   </p:defaultTextStyle>
+  <p:extLst>
+    <p:ext uri="{EFAFB233-063F-42B5-8137-9DF3F51BA10A}">
+      <p15:sldGuideLst xmlns:p15="http://schemas.microsoft.com/office/powerpoint/2012/main"/>
+    </p:ext>
+  </p:extLst>
 </p:presentation>
 </file>
 
@@ -238,7 +243,7 @@
           <a:p>
             <a:fld id="{4DBBCBF5-3671-4075-825D-8D6770F701C6}" type="datetimeFigureOut">
               <a:rPr lang="en-GB" smtClean="0"/>
-              <a:t>30/06/2019</a:t>
+              <a:t>02/07/2019</a:t>
             </a:fld>
             <a:endParaRPr lang="en-GB"/>
           </a:p>
@@ -408,7 +413,7 @@
           <a:p>
             <a:fld id="{4DBBCBF5-3671-4075-825D-8D6770F701C6}" type="datetimeFigureOut">
               <a:rPr lang="en-GB" smtClean="0"/>
-              <a:t>30/06/2019</a:t>
+              <a:t>02/07/2019</a:t>
             </a:fld>
             <a:endParaRPr lang="en-GB"/>
           </a:p>
@@ -588,7 +593,7 @@
           <a:p>
             <a:fld id="{4DBBCBF5-3671-4075-825D-8D6770F701C6}" type="datetimeFigureOut">
               <a:rPr lang="en-GB" smtClean="0"/>
-              <a:t>30/06/2019</a:t>
+              <a:t>02/07/2019</a:t>
             </a:fld>
             <a:endParaRPr lang="en-GB"/>
           </a:p>
@@ -758,7 +763,7 @@
           <a:p>
             <a:fld id="{4DBBCBF5-3671-4075-825D-8D6770F701C6}" type="datetimeFigureOut">
               <a:rPr lang="en-GB" smtClean="0"/>
-              <a:t>30/06/2019</a:t>
+              <a:t>02/07/2019</a:t>
             </a:fld>
             <a:endParaRPr lang="en-GB"/>
           </a:p>
@@ -1002,7 +1007,7 @@
           <a:p>
             <a:fld id="{4DBBCBF5-3671-4075-825D-8D6770F701C6}" type="datetimeFigureOut">
               <a:rPr lang="en-GB" smtClean="0"/>
-              <a:t>30/06/2019</a:t>
+              <a:t>02/07/2019</a:t>
             </a:fld>
             <a:endParaRPr lang="en-GB"/>
           </a:p>
@@ -1234,7 +1239,7 @@
           <a:p>
             <a:fld id="{4DBBCBF5-3671-4075-825D-8D6770F701C6}" type="datetimeFigureOut">
               <a:rPr lang="en-GB" smtClean="0"/>
-              <a:t>30/06/2019</a:t>
+              <a:t>02/07/2019</a:t>
             </a:fld>
             <a:endParaRPr lang="en-GB"/>
           </a:p>
@@ -1601,7 +1606,7 @@
           <a:p>
             <a:fld id="{4DBBCBF5-3671-4075-825D-8D6770F701C6}" type="datetimeFigureOut">
               <a:rPr lang="en-GB" smtClean="0"/>
-              <a:t>30/06/2019</a:t>
+              <a:t>02/07/2019</a:t>
             </a:fld>
             <a:endParaRPr lang="en-GB"/>
           </a:p>
@@ -1719,7 +1724,7 @@
           <a:p>
             <a:fld id="{4DBBCBF5-3671-4075-825D-8D6770F701C6}" type="datetimeFigureOut">
               <a:rPr lang="en-GB" smtClean="0"/>
-              <a:t>30/06/2019</a:t>
+              <a:t>02/07/2019</a:t>
             </a:fld>
             <a:endParaRPr lang="en-GB"/>
           </a:p>
@@ -1814,7 +1819,7 @@
           <a:p>
             <a:fld id="{4DBBCBF5-3671-4075-825D-8D6770F701C6}" type="datetimeFigureOut">
               <a:rPr lang="en-GB" smtClean="0"/>
-              <a:t>30/06/2019</a:t>
+              <a:t>02/07/2019</a:t>
             </a:fld>
             <a:endParaRPr lang="en-GB"/>
           </a:p>
@@ -2091,7 +2096,7 @@
           <a:p>
             <a:fld id="{4DBBCBF5-3671-4075-825D-8D6770F701C6}" type="datetimeFigureOut">
               <a:rPr lang="en-GB" smtClean="0"/>
-              <a:t>30/06/2019</a:t>
+              <a:t>02/07/2019</a:t>
             </a:fld>
             <a:endParaRPr lang="en-GB"/>
           </a:p>
@@ -2348,7 +2353,7 @@
           <a:p>
             <a:fld id="{4DBBCBF5-3671-4075-825D-8D6770F701C6}" type="datetimeFigureOut">
               <a:rPr lang="en-GB" smtClean="0"/>
-              <a:t>30/06/2019</a:t>
+              <a:t>02/07/2019</a:t>
             </a:fld>
             <a:endParaRPr lang="en-GB"/>
           </a:p>
@@ -2561,7 +2566,7 @@
           <a:p>
             <a:fld id="{4DBBCBF5-3671-4075-825D-8D6770F701C6}" type="datetimeFigureOut">
               <a:rPr lang="en-GB" smtClean="0"/>
-              <a:t>30/06/2019</a:t>
+              <a:t>02/07/2019</a:t>
             </a:fld>
             <a:endParaRPr lang="en-GB"/>
           </a:p>
@@ -2968,16 +2973,16 @@
       </p:grpSpPr>
       <p:grpSp>
         <p:nvGrpSpPr>
-          <p:cNvPr id="425" name="Group 424"/>
+          <p:cNvPr id="97" name="Group 96"/>
           <p:cNvGrpSpPr/>
           <p:nvPr/>
         </p:nvGrpSpPr>
         <p:grpSpPr>
           <a:xfrm>
-            <a:off x="-36025" y="-672847"/>
-            <a:ext cx="9531017" cy="7468322"/>
-            <a:chOff x="-69043" y="-672847"/>
-            <a:chExt cx="9531017" cy="7468322"/>
+            <a:off x="-252537" y="-672848"/>
+            <a:ext cx="10293822" cy="7559766"/>
+            <a:chOff x="-252537" y="-672848"/>
+            <a:chExt cx="10293822" cy="7559766"/>
           </a:xfrm>
         </p:grpSpPr>
         <p:sp>
@@ -2988,7 +2993,7 @@
           </p:nvSpPr>
           <p:spPr>
             <a:xfrm>
-              <a:off x="6070535" y="2143614"/>
+              <a:off x="6103553" y="2143614"/>
               <a:ext cx="734796" cy="392400"/>
             </a:xfrm>
             <a:prstGeom prst="ellipse">
@@ -3083,8 +3088,8 @@
           </p:nvSpPr>
           <p:spPr>
             <a:xfrm>
-              <a:off x="4413025" y="2649641"/>
-              <a:ext cx="1368000" cy="504000"/>
+              <a:off x="4570465" y="2616389"/>
+              <a:ext cx="1276829" cy="504000"/>
             </a:xfrm>
             <a:prstGeom prst="ellipse">
               <a:avLst/>
@@ -3146,10 +3151,10 @@
           </p:nvGrpSpPr>
           <p:grpSpPr>
             <a:xfrm>
-              <a:off x="5821955" y="-603521"/>
-              <a:ext cx="3640019" cy="3575439"/>
-              <a:chOff x="5150993" y="419223"/>
-              <a:chExt cx="3640019" cy="3575439"/>
+              <a:off x="5854973" y="-603523"/>
+              <a:ext cx="3640019" cy="3575441"/>
+              <a:chOff x="5150993" y="419221"/>
+              <a:chExt cx="3640019" cy="3575441"/>
             </a:xfrm>
           </p:grpSpPr>
           <p:grpSp>
@@ -3160,10 +3165,10 @@
             </p:nvGrpSpPr>
             <p:grpSpPr>
               <a:xfrm>
-                <a:off x="6102638" y="419223"/>
-                <a:ext cx="2667809" cy="3019538"/>
-                <a:chOff x="5279678" y="483224"/>
-                <a:chExt cx="2667809" cy="3019538"/>
+                <a:off x="6102638" y="419221"/>
+                <a:ext cx="2667809" cy="3019540"/>
+                <a:chOff x="5279678" y="483222"/>
+                <a:chExt cx="2667809" cy="3019540"/>
               </a:xfrm>
             </p:grpSpPr>
             <p:grpSp>
@@ -3174,10 +3179,10 @@
               </p:nvGrpSpPr>
               <p:grpSpPr>
                 <a:xfrm>
-                  <a:off x="7029521" y="483224"/>
-                  <a:ext cx="917966" cy="950968"/>
+                  <a:off x="7029521" y="483222"/>
+                  <a:ext cx="917966" cy="966355"/>
                   <a:chOff x="966259" y="2238892"/>
-                  <a:chExt cx="917966" cy="417411"/>
+                  <a:chExt cx="917966" cy="424165"/>
                 </a:xfrm>
               </p:grpSpPr>
               <p:grpSp>
@@ -3401,7 +3406,7 @@
                 <p:spPr>
                   <a:xfrm>
                     <a:off x="966259" y="2568492"/>
-                    <a:ext cx="917966" cy="87811"/>
+                    <a:ext cx="917966" cy="94565"/>
                   </a:xfrm>
                   <a:prstGeom prst="rect">
                     <a:avLst/>
@@ -3416,10 +3421,9 @@
                   <a:p>
                     <a:pPr algn="ctr"/>
                     <a:r>
-                      <a:rPr lang="en-GB" sz="700" b="1" dirty="0"/>
+                      <a:rPr lang="en-GB" sz="800" b="1" dirty="0"/>
                       <a:t>Student</a:t>
                     </a:r>
-                    <a:endParaRPr lang="en-GB" sz="700" b="1" dirty="0"/>
                   </a:p>
                 </p:txBody>
               </p:sp>
@@ -3805,10 +3809,10 @@
           </p:nvGrpSpPr>
           <p:grpSpPr>
             <a:xfrm>
-              <a:off x="5838887" y="-672847"/>
-              <a:ext cx="1184746" cy="3477871"/>
-              <a:chOff x="5991293" y="402429"/>
-              <a:chExt cx="1184746" cy="3477871"/>
+              <a:off x="5871905" y="-672848"/>
+              <a:ext cx="1184746" cy="3477872"/>
+              <a:chOff x="5991293" y="402428"/>
+              <a:chExt cx="1184746" cy="3477872"/>
             </a:xfrm>
           </p:grpSpPr>
           <p:grpSp>
@@ -3819,10 +3823,10 @@
             </p:nvGrpSpPr>
             <p:grpSpPr>
               <a:xfrm>
-                <a:off x="6093183" y="402429"/>
-                <a:ext cx="963319" cy="2949579"/>
-                <a:chOff x="5353353" y="483056"/>
-                <a:chExt cx="963319" cy="2949579"/>
+                <a:off x="6093183" y="402428"/>
+                <a:ext cx="1054119" cy="2949580"/>
+                <a:chOff x="5353353" y="483055"/>
+                <a:chExt cx="1054119" cy="2949580"/>
               </a:xfrm>
             </p:grpSpPr>
             <p:sp>
@@ -3896,10 +3900,10 @@
               </p:nvGrpSpPr>
               <p:grpSpPr>
                 <a:xfrm>
-                  <a:off x="5398706" y="483056"/>
-                  <a:ext cx="917966" cy="1058688"/>
-                  <a:chOff x="966259" y="2238892"/>
-                  <a:chExt cx="917966" cy="464693"/>
+                  <a:off x="5398705" y="483055"/>
+                  <a:ext cx="1008767" cy="1089467"/>
+                  <a:chOff x="966258" y="2238892"/>
+                  <a:chExt cx="1008767" cy="478203"/>
                 </a:xfrm>
               </p:grpSpPr>
               <p:grpSp>
@@ -4122,8 +4126,8 @@
                 </p:nvSpPr>
                 <p:spPr>
                   <a:xfrm>
-                    <a:off x="966259" y="2568492"/>
-                    <a:ext cx="917966" cy="135093"/>
+                    <a:off x="966258" y="2568492"/>
+                    <a:ext cx="1008767" cy="148603"/>
                   </a:xfrm>
                   <a:prstGeom prst="rect">
                     <a:avLst/>
@@ -4138,13 +4142,13 @@
                   <a:p>
                     <a:pPr algn="ctr"/>
                     <a:r>
-                      <a:rPr lang="en-GB" sz="700" b="1" dirty="0"/>
+                      <a:rPr lang="en-GB" sz="800" b="1" dirty="0"/>
                       <a:t>Exams and Records</a:t>
                     </a:r>
                   </a:p>
                   <a:p>
                     <a:pPr algn="ctr"/>
-                    <a:endParaRPr lang="en-GB" sz="700" b="1" dirty="0"/>
+                    <a:endParaRPr lang="en-GB" sz="800" b="1" dirty="0"/>
                   </a:p>
                 </p:txBody>
               </p:sp>
@@ -4467,10 +4471,10 @@
           </p:nvGrpSpPr>
           <p:grpSpPr>
             <a:xfrm>
-              <a:off x="5814436" y="-614002"/>
-              <a:ext cx="2556791" cy="3508827"/>
-              <a:chOff x="5890639" y="461274"/>
-              <a:chExt cx="2556791" cy="3508827"/>
+              <a:off x="5847454" y="-614004"/>
+              <a:ext cx="2556791" cy="3508829"/>
+              <a:chOff x="5890639" y="461272"/>
+              <a:chExt cx="2556791" cy="3508829"/>
             </a:xfrm>
           </p:grpSpPr>
           <p:grpSp>
@@ -4481,10 +4485,10 @@
             </p:nvGrpSpPr>
             <p:grpSpPr>
               <a:xfrm>
-                <a:off x="6866738" y="461274"/>
-                <a:ext cx="1580692" cy="2950512"/>
-                <a:chOff x="5609807" y="485110"/>
-                <a:chExt cx="1580692" cy="2950512"/>
+                <a:off x="6866738" y="461272"/>
+                <a:ext cx="1580692" cy="2950514"/>
+                <a:chOff x="5609807" y="485108"/>
+                <a:chExt cx="1580692" cy="2950514"/>
               </a:xfrm>
             </p:grpSpPr>
             <p:grpSp>
@@ -4581,10 +4585,10 @@
               </p:nvGrpSpPr>
               <p:grpSpPr>
                 <a:xfrm>
-                  <a:off x="6214586" y="485110"/>
-                  <a:ext cx="917966" cy="950968"/>
+                  <a:off x="6214586" y="485108"/>
+                  <a:ext cx="917966" cy="966355"/>
                   <a:chOff x="966259" y="2238892"/>
-                  <a:chExt cx="917966" cy="417411"/>
+                  <a:chExt cx="917966" cy="424165"/>
                 </a:xfrm>
               </p:grpSpPr>
               <p:grpSp>
@@ -4808,7 +4812,7 @@
                 <p:spPr>
                   <a:xfrm>
                     <a:off x="966259" y="2568492"/>
-                    <a:ext cx="917966" cy="87811"/>
+                    <a:ext cx="917966" cy="94565"/>
                   </a:xfrm>
                   <a:prstGeom prst="rect">
                     <a:avLst/>
@@ -4823,10 +4827,9 @@
                   <a:p>
                     <a:pPr algn="ctr"/>
                     <a:r>
-                      <a:rPr lang="en-GB" sz="700" b="1" dirty="0"/>
+                      <a:rPr lang="en-GB" sz="800" b="1" dirty="0"/>
                       <a:t>Teaching Staff</a:t>
                     </a:r>
-                    <a:endParaRPr lang="en-GB" sz="700" b="1" dirty="0"/>
                   </a:p>
                 </p:txBody>
               </p:sp>
@@ -5295,10 +5298,10 @@
           </p:nvGrpSpPr>
           <p:grpSpPr>
             <a:xfrm>
-              <a:off x="4029202" y="-672846"/>
-              <a:ext cx="2050662" cy="3308680"/>
-              <a:chOff x="4080004" y="402430"/>
-              <a:chExt cx="2050662" cy="3308680"/>
+              <a:off x="4062220" y="-672847"/>
+              <a:ext cx="2050662" cy="3308681"/>
+              <a:chOff x="4080004" y="402429"/>
+              <a:chExt cx="2050662" cy="3308681"/>
             </a:xfrm>
           </p:grpSpPr>
           <p:grpSp>
@@ -5309,10 +5312,10 @@
             </p:nvGrpSpPr>
             <p:grpSpPr>
               <a:xfrm>
-                <a:off x="4080004" y="402430"/>
-                <a:ext cx="2050662" cy="3308680"/>
-                <a:chOff x="3464864" y="483057"/>
-                <a:chExt cx="2050662" cy="3308680"/>
+                <a:off x="4080004" y="402429"/>
+                <a:ext cx="2050662" cy="3308681"/>
+                <a:chOff x="3464864" y="483056"/>
+                <a:chExt cx="2050662" cy="3308681"/>
               </a:xfrm>
             </p:grpSpPr>
             <p:grpSp>
@@ -5323,10 +5326,10 @@
               </p:nvGrpSpPr>
               <p:grpSpPr>
                 <a:xfrm>
-                  <a:off x="3663276" y="483057"/>
-                  <a:ext cx="846619" cy="950968"/>
-                  <a:chOff x="966259" y="2238892"/>
-                  <a:chExt cx="846619" cy="417411"/>
+                  <a:off x="3729455" y="483056"/>
+                  <a:ext cx="846619" cy="966353"/>
+                  <a:chOff x="1032438" y="2238892"/>
+                  <a:chExt cx="846619" cy="424164"/>
                 </a:xfrm>
               </p:grpSpPr>
               <p:grpSp>
@@ -5549,8 +5552,8 @@
                 </p:nvSpPr>
                 <p:spPr>
                   <a:xfrm>
-                    <a:off x="966259" y="2568492"/>
-                    <a:ext cx="846619" cy="87811"/>
+                    <a:off x="1032438" y="2568491"/>
+                    <a:ext cx="846619" cy="94565"/>
                   </a:xfrm>
                   <a:prstGeom prst="rect">
                     <a:avLst/>
@@ -5565,10 +5568,10 @@
                   <a:p>
                     <a:pPr algn="ctr"/>
                     <a:r>
-                      <a:rPr lang="en-GB" sz="700" b="1" dirty="0" smtClean="0"/>
+                      <a:rPr lang="en-GB" sz="800" b="1" dirty="0" smtClean="0"/>
                       <a:t>Coordinator</a:t>
                     </a:r>
-                    <a:endParaRPr lang="en-GB" sz="700" b="1" dirty="0"/>
+                    <a:endParaRPr lang="en-GB" sz="800" b="1" dirty="0"/>
                   </a:p>
                 </p:txBody>
               </p:sp>
@@ -5581,7 +5584,7 @@
               </p:nvSpPr>
               <p:spPr>
                 <a:xfrm>
-                  <a:off x="3650490" y="2487543"/>
+                  <a:off x="3600612" y="2487543"/>
                   <a:ext cx="723600" cy="396000"/>
                 </a:xfrm>
                 <a:prstGeom prst="ellipse">
@@ -5645,7 +5648,7 @@
               <p:spPr>
                 <a:xfrm>
                   <a:off x="3642861" y="2939804"/>
-                  <a:ext cx="723600" cy="396000"/>
+                  <a:ext cx="676794" cy="396000"/>
                 </a:xfrm>
                 <a:prstGeom prst="ellipse">
                   <a:avLst/>
@@ -5951,7 +5954,7 @@
               <p:spPr>
                 <a:xfrm>
                   <a:off x="3646399" y="3395737"/>
-                  <a:ext cx="723600" cy="396000"/>
+                  <a:ext cx="643058" cy="396000"/>
                 </a:xfrm>
                 <a:prstGeom prst="ellipse">
                   <a:avLst/>
@@ -6169,7 +6172,7 @@
               </p:nvCxnSpPr>
               <p:spPr>
                 <a:xfrm flipH="1">
-                  <a:off x="4030825" y="1438102"/>
+                  <a:off x="3980947" y="1438102"/>
                   <a:ext cx="0" cy="1029217"/>
                 </a:xfrm>
                 <a:prstGeom prst="straightConnector1">
@@ -6328,7 +6331,7 @@
             </p:nvCxnSpPr>
             <p:spPr>
               <a:xfrm>
-                <a:off x="5004312" y="1287823"/>
+                <a:off x="5004312" y="1304449"/>
                 <a:ext cx="0" cy="2398508"/>
               </a:xfrm>
               <a:prstGeom prst="straightConnector1">
@@ -6365,10 +6368,10 @@
           </p:nvGrpSpPr>
           <p:grpSpPr>
             <a:xfrm>
-              <a:off x="982708" y="-603522"/>
-              <a:ext cx="3404916" cy="3465324"/>
-              <a:chOff x="1033510" y="471754"/>
-              <a:chExt cx="3404916" cy="3465324"/>
+              <a:off x="1015726" y="-603514"/>
+              <a:ext cx="3609309" cy="3340415"/>
+              <a:chOff x="1033510" y="471762"/>
+              <a:chExt cx="3609309" cy="3340415"/>
             </a:xfrm>
           </p:grpSpPr>
           <p:grpSp>
@@ -6379,10 +6382,10 @@
             </p:nvGrpSpPr>
             <p:grpSpPr>
               <a:xfrm>
-                <a:off x="1967758" y="1461117"/>
-                <a:ext cx="2470668" cy="2475961"/>
-                <a:chOff x="1984692" y="1283315"/>
-                <a:chExt cx="2470668" cy="2475961"/>
+                <a:off x="1942819" y="1436177"/>
+                <a:ext cx="2700000" cy="2376000"/>
+                <a:chOff x="1959753" y="1258375"/>
+                <a:chExt cx="2700000" cy="2376000"/>
               </a:xfrm>
             </p:grpSpPr>
             <p:cxnSp>
@@ -6393,8 +6396,8 @@
               </p:nvCxnSpPr>
               <p:spPr>
                 <a:xfrm flipH="1">
-                  <a:off x="1984692" y="1283315"/>
-                  <a:ext cx="0" cy="2475961"/>
+                  <a:off x="1959753" y="1258375"/>
+                  <a:ext cx="0" cy="2376000"/>
                 </a:xfrm>
                 <a:prstGeom prst="line">
                   <a:avLst/>
@@ -6427,9 +6430,9 @@
                 <p:nvPr/>
               </p:nvCxnSpPr>
               <p:spPr>
-                <a:xfrm>
-                  <a:off x="1984692" y="3759276"/>
-                  <a:ext cx="2470668" cy="0"/>
+                <a:xfrm flipV="1">
+                  <a:off x="1959753" y="3629237"/>
+                  <a:ext cx="2700000" cy="0"/>
                 </a:xfrm>
                 <a:prstGeom prst="straightConnector1">
                   <a:avLst/>
@@ -6465,10 +6468,10 @@
             </p:nvGrpSpPr>
             <p:grpSpPr>
               <a:xfrm>
-                <a:off x="1033510" y="471754"/>
-                <a:ext cx="2859174" cy="3241371"/>
-                <a:chOff x="1033510" y="471754"/>
-                <a:chExt cx="2859174" cy="3241371"/>
+                <a:off x="1033510" y="471762"/>
+                <a:ext cx="2859174" cy="3241363"/>
+                <a:chOff x="1033510" y="471762"/>
+                <a:chExt cx="2859174" cy="3241363"/>
               </a:xfrm>
             </p:grpSpPr>
             <p:grpSp>
@@ -6479,10 +6482,10 @@
               </p:nvGrpSpPr>
               <p:grpSpPr>
                 <a:xfrm>
-                  <a:off x="1033510" y="471754"/>
-                  <a:ext cx="2859174" cy="3241371"/>
-                  <a:chOff x="499821" y="554179"/>
-                  <a:chExt cx="2859174" cy="3241371"/>
+                  <a:off x="1033510" y="471762"/>
+                  <a:ext cx="2859174" cy="3241363"/>
+                  <a:chOff x="499821" y="554187"/>
+                  <a:chExt cx="2859174" cy="3241363"/>
                 </a:xfrm>
               </p:grpSpPr>
               <p:grpSp>
@@ -6493,10 +6496,10 @@
                 </p:nvGrpSpPr>
                 <p:grpSpPr>
                   <a:xfrm>
-                    <a:off x="719368" y="554179"/>
-                    <a:ext cx="846619" cy="1016123"/>
+                    <a:off x="719368" y="554187"/>
+                    <a:ext cx="1021037" cy="965015"/>
                     <a:chOff x="1015431" y="1461646"/>
-                    <a:chExt cx="846619" cy="372358"/>
+                    <a:chExt cx="1021037" cy="353629"/>
                   </a:xfrm>
                 </p:grpSpPr>
                 <p:grpSp>
@@ -6719,8 +6722,8 @@
                   </p:nvSpPr>
                   <p:spPr>
                     <a:xfrm>
-                      <a:off x="1015431" y="1760694"/>
-                      <a:ext cx="846619" cy="73310"/>
+                      <a:off x="1015431" y="1736326"/>
+                      <a:ext cx="1021037" cy="78949"/>
                     </a:xfrm>
                     <a:prstGeom prst="rect">
                       <a:avLst/>
@@ -6735,10 +6738,10 @@
                     <a:p>
                       <a:pPr algn="ctr"/>
                       <a:r>
-                        <a:rPr lang="en-GB" sz="700" b="1" dirty="0" smtClean="0"/>
+                        <a:rPr lang="en-GB" sz="800" b="1" dirty="0" smtClean="0"/>
                         <a:t>System Manager</a:t>
                       </a:r>
-                      <a:endParaRPr lang="en-GB" sz="700" b="1" dirty="0"/>
+                      <a:endParaRPr lang="en-GB" sz="800" b="1" dirty="0"/>
                     </a:p>
                   </p:txBody>
                 </p:sp>
@@ -7163,7 +7166,7 @@
                 <p:spPr>
                   <a:xfrm>
                     <a:off x="693535" y="3399550"/>
-                    <a:ext cx="723600" cy="396000"/>
+                    <a:ext cx="674613" cy="396000"/>
                   </a:xfrm>
                   <a:prstGeom prst="ellipse">
                     <a:avLst/>
@@ -9250,10 +9253,10 @@
           </p:nvGrpSpPr>
           <p:grpSpPr>
             <a:xfrm>
-              <a:off x="2122805" y="2918575"/>
-              <a:ext cx="2290220" cy="1284436"/>
-              <a:chOff x="2173607" y="3993851"/>
-              <a:chExt cx="2290220" cy="1284436"/>
+              <a:off x="3771920" y="2918575"/>
+              <a:ext cx="674123" cy="1509880"/>
+              <a:chOff x="3789704" y="3993851"/>
+              <a:chExt cx="674123" cy="1509880"/>
             </a:xfrm>
           </p:grpSpPr>
           <p:cxnSp>
@@ -9263,9 +9266,9 @@
               <p:nvPr/>
             </p:nvCxnSpPr>
             <p:spPr>
-              <a:xfrm>
-                <a:off x="2173607" y="3993851"/>
-                <a:ext cx="0" cy="1284436"/>
+              <a:xfrm flipH="1">
+                <a:off x="3789704" y="3993851"/>
+                <a:ext cx="0" cy="1509880"/>
               </a:xfrm>
               <a:prstGeom prst="straightConnector1">
                 <a:avLst/>
@@ -9300,8 +9303,8 @@
             </p:nvCxnSpPr>
             <p:spPr>
               <a:xfrm>
-                <a:off x="2173607" y="3993851"/>
-                <a:ext cx="2290220" cy="0"/>
+                <a:off x="3802912" y="3993851"/>
+                <a:ext cx="660915" cy="0"/>
               </a:xfrm>
               <a:prstGeom prst="line">
                 <a:avLst/>
@@ -9336,7 +9339,7 @@
           </p:nvSpPr>
           <p:spPr>
             <a:xfrm>
-              <a:off x="5316243" y="3750844"/>
+              <a:off x="5536058" y="4438865"/>
               <a:ext cx="1440000" cy="360000"/>
             </a:xfrm>
             <a:prstGeom prst="ellipse">
@@ -9396,10 +9399,10 @@
           </p:nvGrpSpPr>
           <p:grpSpPr>
             <a:xfrm>
-              <a:off x="-69043" y="3766161"/>
-              <a:ext cx="652350" cy="2210133"/>
-              <a:chOff x="3625220" y="5099991"/>
-              <a:chExt cx="1000189" cy="1571809"/>
+              <a:off x="-252537" y="3816040"/>
+              <a:ext cx="1332809" cy="1983641"/>
+              <a:chOff x="3114827" y="5099991"/>
+              <a:chExt cx="2043474" cy="1410732"/>
             </a:xfrm>
           </p:grpSpPr>
           <p:grpSp>
@@ -9622,8 +9625,8 @@
             </p:nvSpPr>
             <p:spPr>
               <a:xfrm>
-                <a:off x="3625220" y="6491219"/>
-                <a:ext cx="1000189" cy="180581"/>
+                <a:off x="3114827" y="6330142"/>
+                <a:ext cx="2043474" cy="180581"/>
               </a:xfrm>
               <a:prstGeom prst="rect">
                 <a:avLst/>
@@ -9642,7 +9645,7 @@
                 <a:pPr algn="ctr"/>
                 <a:r>
                   <a:rPr lang="en-GB" sz="1050" b="1" dirty="0" smtClean="0"/>
-                  <a:t>Server</a:t>
+                  <a:t>Application/Server</a:t>
                 </a:r>
                 <a:endParaRPr lang="en-GB" sz="1050" b="1" dirty="0"/>
               </a:p>
@@ -9652,13 +9655,15 @@
         <p:cxnSp>
           <p:nvCxnSpPr>
             <p:cNvPr id="314" name="Straight Arrow Connector 313"/>
-            <p:cNvCxnSpPr/>
+            <p:cNvCxnSpPr>
+              <a:endCxn id="366" idx="3"/>
+            </p:cNvCxnSpPr>
             <p:nvPr/>
           </p:nvCxnSpPr>
           <p:spPr>
             <a:xfrm flipV="1">
-              <a:off x="379905" y="4501411"/>
-              <a:ext cx="980380" cy="428633"/>
+              <a:off x="448053" y="3165374"/>
+              <a:ext cx="1345323" cy="1405675"/>
             </a:xfrm>
             <a:prstGeom prst="straightConnector1">
               <a:avLst/>
@@ -9688,13 +9693,15 @@
         <p:cxnSp>
           <p:nvCxnSpPr>
             <p:cNvPr id="315" name="Straight Arrow Connector 314"/>
-            <p:cNvCxnSpPr/>
+            <p:cNvCxnSpPr>
+              <a:endCxn id="429" idx="2"/>
+            </p:cNvCxnSpPr>
             <p:nvPr/>
           </p:nvCxnSpPr>
           <p:spPr>
-            <a:xfrm>
-              <a:off x="374287" y="4987046"/>
-              <a:ext cx="791558" cy="164236"/>
+            <a:xfrm flipV="1">
+              <a:off x="465011" y="4619794"/>
+              <a:ext cx="2517622" cy="58051"/>
             </a:xfrm>
             <a:prstGeom prst="straightConnector1">
               <a:avLst/>
@@ -9724,13 +9731,15 @@
         <p:cxnSp>
           <p:nvCxnSpPr>
             <p:cNvPr id="317" name="Straight Arrow Connector 316"/>
-            <p:cNvCxnSpPr/>
+            <p:cNvCxnSpPr>
+              <a:endCxn id="427" idx="2"/>
+            </p:cNvCxnSpPr>
             <p:nvPr/>
           </p:nvCxnSpPr>
           <p:spPr>
             <a:xfrm>
-              <a:off x="373596" y="5003008"/>
-              <a:ext cx="876043" cy="704610"/>
+              <a:off x="455545" y="4688289"/>
+              <a:ext cx="2532610" cy="595106"/>
             </a:xfrm>
             <a:prstGeom prst="straightConnector1">
               <a:avLst/>
@@ -9765,8 +9774,8 @@
           </p:nvCxnSpPr>
           <p:spPr>
             <a:xfrm>
-              <a:off x="362648" y="5079668"/>
-              <a:ext cx="784852" cy="1330755"/>
+              <a:off x="406898" y="4781719"/>
+              <a:ext cx="2625440" cy="1064670"/>
             </a:xfrm>
             <a:prstGeom prst="straightConnector1">
               <a:avLst/>
@@ -9793,565 +9802,256 @@
             </a:fontRef>
           </p:style>
         </p:cxnSp>
-        <p:grpSp>
-          <p:nvGrpSpPr>
-            <p:cNvPr id="345" name="Group 344"/>
-            <p:cNvGrpSpPr/>
+        <p:sp>
+          <p:nvSpPr>
+            <p:cNvPr id="335" name="Rectangle 334"/>
+            <p:cNvSpPr/>
             <p:nvPr/>
-          </p:nvGrpSpPr>
-          <p:grpSpPr>
+          </p:nvSpPr>
+          <p:spPr>
             <a:xfrm>
-              <a:off x="1149037" y="4203011"/>
-              <a:ext cx="2269765" cy="2592464"/>
-              <a:chOff x="1149037" y="4203011"/>
-              <a:chExt cx="2269765" cy="2592464"/>
+              <a:off x="3594856" y="4737592"/>
+              <a:ext cx="361038" cy="45719"/>
             </a:xfrm>
-          </p:grpSpPr>
-          <p:sp>
-            <p:nvSpPr>
-              <p:cNvPr id="335" name="Rectangle 334"/>
-              <p:cNvSpPr/>
-              <p:nvPr/>
-            </p:nvSpPr>
-            <p:spPr>
-              <a:xfrm>
-                <a:off x="1866028" y="4737592"/>
-                <a:ext cx="361038" cy="45719"/>
-              </a:xfrm>
-              <a:prstGeom prst="rect">
-                <a:avLst/>
-              </a:prstGeom>
+            <a:prstGeom prst="rect">
+              <a:avLst/>
+            </a:prstGeom>
+            <a:solidFill>
+              <a:schemeClr val="bg1"/>
+            </a:solidFill>
+            <a:ln>
               <a:solidFill>
                 <a:schemeClr val="bg1"/>
               </a:solidFill>
-              <a:ln>
-                <a:solidFill>
-                  <a:schemeClr val="bg1"/>
-                </a:solidFill>
-              </a:ln>
-            </p:spPr>
-            <p:style>
-              <a:lnRef idx="2">
-                <a:schemeClr val="accent1">
-                  <a:shade val="50000"/>
-                </a:schemeClr>
-              </a:lnRef>
-              <a:fillRef idx="1">
-                <a:schemeClr val="accent1"/>
-              </a:fillRef>
-              <a:effectRef idx="0">
-                <a:schemeClr val="accent1"/>
-              </a:effectRef>
-              <a:fontRef idx="minor">
-                <a:schemeClr val="lt1"/>
-              </a:fontRef>
-            </p:style>
-            <p:txBody>
-              <a:bodyPr rtlCol="0" anchor="ctr"/>
-              <a:lstStyle/>
-              <a:p>
-                <a:pPr algn="ctr"/>
-                <a:endParaRPr lang="en-GB" b="1"/>
-              </a:p>
-            </p:txBody>
-          </p:sp>
-          <p:sp>
-            <p:nvSpPr>
-              <p:cNvPr id="334" name="Rectangle 333"/>
-              <p:cNvSpPr/>
-              <p:nvPr/>
-            </p:nvSpPr>
-            <p:spPr>
-              <a:xfrm>
-                <a:off x="1855028" y="4717678"/>
-                <a:ext cx="361038" cy="45719"/>
-              </a:xfrm>
-              <a:prstGeom prst="rect">
-                <a:avLst/>
-              </a:prstGeom>
+            </a:ln>
+          </p:spPr>
+          <p:style>
+            <a:lnRef idx="2">
+              <a:schemeClr val="accent1">
+                <a:shade val="50000"/>
+              </a:schemeClr>
+            </a:lnRef>
+            <a:fillRef idx="1">
+              <a:schemeClr val="accent1"/>
+            </a:fillRef>
+            <a:effectRef idx="0">
+              <a:schemeClr val="accent1"/>
+            </a:effectRef>
+            <a:fontRef idx="minor">
+              <a:schemeClr val="lt1"/>
+            </a:fontRef>
+          </p:style>
+          <p:txBody>
+            <a:bodyPr rtlCol="0" anchor="ctr"/>
+            <a:lstStyle/>
+            <a:p>
+              <a:pPr algn="ctr"/>
+              <a:endParaRPr lang="en-GB" b="1"/>
+            </a:p>
+          </p:txBody>
+        </p:sp>
+        <p:sp>
+          <p:nvSpPr>
+            <p:cNvPr id="334" name="Rectangle 333"/>
+            <p:cNvSpPr/>
+            <p:nvPr/>
+          </p:nvSpPr>
+          <p:spPr>
+            <a:xfrm>
+              <a:off x="3583856" y="4717678"/>
+              <a:ext cx="361038" cy="45719"/>
+            </a:xfrm>
+            <a:prstGeom prst="rect">
+              <a:avLst/>
+            </a:prstGeom>
+            <a:solidFill>
+              <a:schemeClr val="bg1"/>
+            </a:solidFill>
+            <a:ln>
               <a:solidFill>
                 <a:schemeClr val="bg1"/>
               </a:solidFill>
-              <a:ln>
-                <a:solidFill>
-                  <a:schemeClr val="bg1"/>
-                </a:solidFill>
-              </a:ln>
-            </p:spPr>
-            <p:style>
-              <a:lnRef idx="2">
-                <a:schemeClr val="accent1">
-                  <a:shade val="50000"/>
-                </a:schemeClr>
-              </a:lnRef>
-              <a:fillRef idx="1">
-                <a:schemeClr val="accent1"/>
-              </a:fillRef>
-              <a:effectRef idx="0">
-                <a:schemeClr val="accent1"/>
-              </a:effectRef>
-              <a:fontRef idx="minor">
-                <a:schemeClr val="lt1"/>
-              </a:fontRef>
-            </p:style>
-            <p:txBody>
-              <a:bodyPr rtlCol="0" anchor="ctr"/>
-              <a:lstStyle/>
-              <a:p>
-                <a:pPr algn="ctr"/>
-                <a:endParaRPr lang="en-GB" b="1"/>
-              </a:p>
-            </p:txBody>
-          </p:sp>
-          <p:sp>
-            <p:nvSpPr>
-              <p:cNvPr id="227" name="Oval 226"/>
-              <p:cNvSpPr/>
-              <p:nvPr/>
-            </p:nvSpPr>
-            <p:spPr>
-              <a:xfrm>
-                <a:off x="1150918" y="6394480"/>
-                <a:ext cx="1556508" cy="400993"/>
-              </a:xfrm>
-              <a:prstGeom prst="ellipse">
-                <a:avLst/>
-              </a:prstGeom>
-              <a:noFill/>
-              <a:ln>
-                <a:solidFill>
-                  <a:schemeClr val="tx1"/>
-                </a:solidFill>
-              </a:ln>
-            </p:spPr>
-            <p:style>
-              <a:lnRef idx="2">
-                <a:schemeClr val="accent1">
-                  <a:shade val="50000"/>
-                </a:schemeClr>
-              </a:lnRef>
-              <a:fillRef idx="1">
-                <a:schemeClr val="accent1"/>
-              </a:fillRef>
-              <a:effectRef idx="0">
-                <a:schemeClr val="accent1"/>
-              </a:effectRef>
-              <a:fontRef idx="minor">
-                <a:schemeClr val="lt1"/>
-              </a:fontRef>
-            </p:style>
-            <p:txBody>
-              <a:bodyPr rtlCol="0" anchor="ctr"/>
-              <a:lstStyle/>
-              <a:p>
-                <a:pPr algn="ctr"/>
-                <a:r>
-                  <a:rPr lang="en-GB" sz="900" b="1" dirty="0" smtClean="0">
-                    <a:solidFill>
-                      <a:schemeClr val="tx1"/>
-                    </a:solidFill>
-                  </a:rPr>
-                  <a:t>Validate password minimum length</a:t>
-                </a:r>
-                <a:endParaRPr lang="en-GB" sz="900" b="1" dirty="0">
-                  <a:solidFill>
-                    <a:schemeClr val="tx1"/>
-                  </a:solidFill>
-                </a:endParaRPr>
-              </a:p>
-            </p:txBody>
-          </p:sp>
-          <p:sp>
-            <p:nvSpPr>
-              <p:cNvPr id="228" name="Oval 227"/>
-              <p:cNvSpPr/>
-              <p:nvPr/>
-            </p:nvSpPr>
-            <p:spPr>
-              <a:xfrm>
-                <a:off x="1253057" y="4972566"/>
-                <a:ext cx="1437511" cy="324000"/>
-              </a:xfrm>
-              <a:prstGeom prst="ellipse">
-                <a:avLst/>
-              </a:prstGeom>
-              <a:noFill/>
-              <a:ln>
-                <a:solidFill>
-                  <a:schemeClr val="tx1"/>
-                </a:solidFill>
-              </a:ln>
-            </p:spPr>
-            <p:style>
-              <a:lnRef idx="2">
-                <a:schemeClr val="accent1">
-                  <a:shade val="50000"/>
-                </a:schemeClr>
-              </a:lnRef>
-              <a:fillRef idx="1">
-                <a:schemeClr val="accent1"/>
-              </a:fillRef>
-              <a:effectRef idx="0">
-                <a:schemeClr val="accent1"/>
-              </a:effectRef>
-              <a:fontRef idx="minor">
-                <a:schemeClr val="lt1"/>
-              </a:fontRef>
-            </p:style>
-            <p:txBody>
-              <a:bodyPr rtlCol="0" anchor="ctr"/>
-              <a:lstStyle/>
-              <a:p>
-                <a:pPr algn="ctr"/>
-                <a:r>
-                  <a:rPr lang="en-GB" sz="900" b="1" dirty="0" smtClean="0">
-                    <a:solidFill>
-                      <a:schemeClr val="tx1"/>
-                    </a:solidFill>
-                  </a:rPr>
-                  <a:t>Show generic error message</a:t>
-                </a:r>
-                <a:endParaRPr lang="en-GB" sz="900" b="1" dirty="0">
-                  <a:solidFill>
-                    <a:schemeClr val="tx1"/>
-                  </a:solidFill>
-                </a:endParaRPr>
-              </a:p>
-            </p:txBody>
-          </p:sp>
-          <p:sp>
-            <p:nvSpPr>
-              <p:cNvPr id="229" name="Oval 228"/>
-              <p:cNvSpPr/>
-              <p:nvPr/>
-            </p:nvSpPr>
-            <p:spPr>
-              <a:xfrm>
-                <a:off x="1303510" y="5637874"/>
-                <a:ext cx="1528020" cy="417029"/>
-              </a:xfrm>
-              <a:prstGeom prst="ellipse">
-                <a:avLst/>
-              </a:prstGeom>
-              <a:noFill/>
-              <a:ln>
-                <a:solidFill>
-                  <a:schemeClr val="tx1"/>
-                </a:solidFill>
-              </a:ln>
-            </p:spPr>
-            <p:style>
-              <a:lnRef idx="2">
-                <a:schemeClr val="accent1">
-                  <a:shade val="50000"/>
-                </a:schemeClr>
-              </a:lnRef>
-              <a:fillRef idx="1">
-                <a:schemeClr val="accent1"/>
-              </a:fillRef>
-              <a:effectRef idx="0">
-                <a:schemeClr val="accent1"/>
-              </a:effectRef>
-              <a:fontRef idx="minor">
-                <a:schemeClr val="lt1"/>
-              </a:fontRef>
-            </p:style>
-            <p:txBody>
-              <a:bodyPr rtlCol="0" anchor="ctr"/>
-              <a:lstStyle/>
-              <a:p>
-                <a:pPr algn="ctr"/>
-                <a:r>
-                  <a:rPr lang="en-GB" sz="900" b="1" dirty="0" smtClean="0">
-                    <a:solidFill>
-                      <a:schemeClr val="tx1"/>
-                    </a:solidFill>
-                  </a:rPr>
-                  <a:t>Lock account after N failed attempts</a:t>
-                </a:r>
-                <a:endParaRPr lang="en-GB" sz="900" b="1" dirty="0">
-                  <a:solidFill>
-                    <a:schemeClr val="tx1"/>
-                  </a:solidFill>
-                </a:endParaRPr>
-              </a:p>
-            </p:txBody>
-          </p:sp>
-          <p:sp>
-            <p:nvSpPr>
-              <p:cNvPr id="290" name="Oval 289"/>
-              <p:cNvSpPr/>
-              <p:nvPr/>
-            </p:nvSpPr>
-            <p:spPr>
-              <a:xfrm>
-                <a:off x="1336087" y="4203011"/>
-                <a:ext cx="1495443" cy="382677"/>
-              </a:xfrm>
-              <a:prstGeom prst="ellipse">
-                <a:avLst/>
-              </a:prstGeom>
-              <a:noFill/>
-              <a:ln>
-                <a:solidFill>
-                  <a:schemeClr val="tx1"/>
-                </a:solidFill>
-              </a:ln>
-            </p:spPr>
-            <p:style>
-              <a:lnRef idx="2">
-                <a:schemeClr val="accent1">
-                  <a:shade val="50000"/>
-                </a:schemeClr>
-              </a:lnRef>
-              <a:fillRef idx="1">
-                <a:schemeClr val="accent1"/>
-              </a:fillRef>
-              <a:effectRef idx="0">
-                <a:schemeClr val="accent1"/>
-              </a:effectRef>
-              <a:fontRef idx="minor">
-                <a:schemeClr val="lt1"/>
-              </a:fontRef>
-            </p:style>
-            <p:txBody>
-              <a:bodyPr rtlCol="0" anchor="ctr"/>
-              <a:lstStyle/>
-              <a:p>
-                <a:pPr algn="ctr"/>
-                <a:r>
-                  <a:rPr lang="en-GB" sz="900" b="1" dirty="0" smtClean="0">
-                    <a:solidFill>
-                      <a:schemeClr val="tx1"/>
-                    </a:solidFill>
-                  </a:rPr>
-                  <a:t>Username Authentication</a:t>
-                </a:r>
-                <a:endParaRPr lang="en-GB" sz="900" b="1" dirty="0">
-                  <a:solidFill>
-                    <a:schemeClr val="tx1"/>
-                  </a:solidFill>
-                </a:endParaRPr>
-              </a:p>
-            </p:txBody>
-          </p:sp>
-          <p:cxnSp>
-            <p:nvCxnSpPr>
-              <p:cNvPr id="329" name="Straight Arrow Connector 328"/>
-              <p:cNvCxnSpPr/>
-              <p:nvPr/>
-            </p:nvCxnSpPr>
-            <p:spPr>
-              <a:xfrm flipH="1">
-                <a:off x="2012740" y="4632389"/>
-                <a:ext cx="6675" cy="324000"/>
-              </a:xfrm>
-              <a:prstGeom prst="straightConnector1">
-                <a:avLst/>
-              </a:prstGeom>
-              <a:ln>
-                <a:solidFill>
-                  <a:schemeClr val="tx1"/>
-                </a:solidFill>
-                <a:tailEnd type="triangle"/>
-              </a:ln>
-            </p:spPr>
-            <p:style>
-              <a:lnRef idx="1">
-                <a:schemeClr val="accent1"/>
-              </a:lnRef>
-              <a:fillRef idx="0">
-                <a:schemeClr val="accent1"/>
-              </a:fillRef>
-              <a:effectRef idx="0">
-                <a:schemeClr val="accent1"/>
-              </a:effectRef>
-              <a:fontRef idx="minor">
+            </a:ln>
+          </p:spPr>
+          <p:style>
+            <a:lnRef idx="2">
+              <a:schemeClr val="accent1">
+                <a:shade val="50000"/>
+              </a:schemeClr>
+            </a:lnRef>
+            <a:fillRef idx="1">
+              <a:schemeClr val="accent1"/>
+            </a:fillRef>
+            <a:effectRef idx="0">
+              <a:schemeClr val="accent1"/>
+            </a:effectRef>
+            <a:fontRef idx="minor">
+              <a:schemeClr val="lt1"/>
+            </a:fontRef>
+          </p:style>
+          <p:txBody>
+            <a:bodyPr rtlCol="0" anchor="ctr"/>
+            <a:lstStyle/>
+            <a:p>
+              <a:pPr algn="ctr"/>
+              <a:endParaRPr lang="en-GB" b="1"/>
+            </a:p>
+          </p:txBody>
+        </p:sp>
+        <p:cxnSp>
+          <p:nvCxnSpPr>
+            <p:cNvPr id="329" name="Straight Arrow Connector 328"/>
+            <p:cNvCxnSpPr/>
+            <p:nvPr/>
+          </p:nvCxnSpPr>
+          <p:spPr>
+            <a:xfrm flipH="1">
+              <a:off x="3700003" y="4815271"/>
+              <a:ext cx="6675" cy="324000"/>
+            </a:xfrm>
+            <a:prstGeom prst="straightConnector1">
+              <a:avLst/>
+            </a:prstGeom>
+            <a:ln>
+              <a:solidFill>
                 <a:schemeClr val="tx1"/>
-              </a:fontRef>
-            </p:style>
-          </p:cxnSp>
-          <p:cxnSp>
-            <p:nvCxnSpPr>
-              <p:cNvPr id="331" name="Straight Arrow Connector 330"/>
-              <p:cNvCxnSpPr/>
-              <p:nvPr/>
-            </p:nvCxnSpPr>
-            <p:spPr>
-              <a:xfrm flipH="1">
-                <a:off x="1985925" y="5318262"/>
-                <a:ext cx="6675" cy="295388"/>
-              </a:xfrm>
-              <a:prstGeom prst="straightConnector1">
-                <a:avLst/>
-              </a:prstGeom>
-              <a:ln>
-                <a:solidFill>
-                  <a:schemeClr val="tx1"/>
-                </a:solidFill>
-                <a:tailEnd type="triangle"/>
-              </a:ln>
-            </p:spPr>
-            <p:style>
-              <a:lnRef idx="1">
-                <a:schemeClr val="accent1"/>
-              </a:lnRef>
-              <a:fillRef idx="0">
-                <a:schemeClr val="accent1"/>
-              </a:fillRef>
-              <a:effectRef idx="0">
-                <a:schemeClr val="accent1"/>
-              </a:effectRef>
-              <a:fontRef idx="minor">
+              </a:solidFill>
+              <a:tailEnd type="triangle"/>
+            </a:ln>
+          </p:spPr>
+          <p:style>
+            <a:lnRef idx="1">
+              <a:schemeClr val="accent1"/>
+            </a:lnRef>
+            <a:fillRef idx="0">
+              <a:schemeClr val="accent1"/>
+            </a:fillRef>
+            <a:effectRef idx="0">
+              <a:schemeClr val="accent1"/>
+            </a:effectRef>
+            <a:fontRef idx="minor">
+              <a:schemeClr val="tx1"/>
+            </a:fontRef>
+          </p:style>
+        </p:cxnSp>
+        <p:cxnSp>
+          <p:nvCxnSpPr>
+            <p:cNvPr id="331" name="Straight Arrow Connector 330"/>
+            <p:cNvCxnSpPr/>
+            <p:nvPr/>
+          </p:nvCxnSpPr>
+          <p:spPr>
+            <a:xfrm flipH="1">
+              <a:off x="3714753" y="5459582"/>
+              <a:ext cx="6675" cy="295388"/>
+            </a:xfrm>
+            <a:prstGeom prst="straightConnector1">
+              <a:avLst/>
+            </a:prstGeom>
+            <a:ln>
+              <a:solidFill>
                 <a:schemeClr val="tx1"/>
-              </a:fontRef>
-            </p:style>
-          </p:cxnSp>
-          <p:cxnSp>
-            <p:nvCxnSpPr>
-              <p:cNvPr id="332" name="Straight Arrow Connector 331"/>
-              <p:cNvCxnSpPr/>
-              <p:nvPr/>
-            </p:nvCxnSpPr>
-            <p:spPr>
-              <a:xfrm flipH="1">
-                <a:off x="1978083" y="6088412"/>
-                <a:ext cx="6675" cy="295388"/>
-              </a:xfrm>
-              <a:prstGeom prst="straightConnector1">
-                <a:avLst/>
-              </a:prstGeom>
-              <a:ln>
-                <a:solidFill>
-                  <a:schemeClr val="tx1"/>
-                </a:solidFill>
-                <a:tailEnd type="triangle"/>
-              </a:ln>
-            </p:spPr>
-            <p:style>
-              <a:lnRef idx="1">
-                <a:schemeClr val="accent1"/>
-              </a:lnRef>
-              <a:fillRef idx="0">
-                <a:schemeClr val="accent1"/>
-              </a:fillRef>
-              <a:effectRef idx="0">
-                <a:schemeClr val="accent1"/>
-              </a:effectRef>
-              <a:fontRef idx="minor">
+              </a:solidFill>
+              <a:tailEnd type="triangle"/>
+            </a:ln>
+          </p:spPr>
+          <p:style>
+            <a:lnRef idx="1">
+              <a:schemeClr val="accent1"/>
+            </a:lnRef>
+            <a:fillRef idx="0">
+              <a:schemeClr val="accent1"/>
+            </a:fillRef>
+            <a:effectRef idx="0">
+              <a:schemeClr val="accent1"/>
+            </a:effectRef>
+            <a:fontRef idx="minor">
+              <a:schemeClr val="tx1"/>
+            </a:fontRef>
+          </p:style>
+        </p:cxnSp>
+        <p:cxnSp>
+          <p:nvCxnSpPr>
+            <p:cNvPr id="332" name="Straight Arrow Connector 331"/>
+            <p:cNvCxnSpPr/>
+            <p:nvPr/>
+          </p:nvCxnSpPr>
+          <p:spPr>
+            <a:xfrm flipH="1">
+              <a:off x="3706911" y="6179852"/>
+              <a:ext cx="6675" cy="295388"/>
+            </a:xfrm>
+            <a:prstGeom prst="straightConnector1">
+              <a:avLst/>
+            </a:prstGeom>
+            <a:ln>
+              <a:solidFill>
                 <a:schemeClr val="tx1"/>
-              </a:fontRef>
-            </p:style>
-          </p:cxnSp>
-          <p:sp>
-            <p:nvSpPr>
-              <p:cNvPr id="336" name="Rectangle 335"/>
-              <p:cNvSpPr/>
-              <p:nvPr/>
-            </p:nvSpPr>
-            <p:spPr>
-              <a:xfrm>
-                <a:off x="3057764" y="4872636"/>
-                <a:ext cx="361038" cy="45719"/>
-              </a:xfrm>
-              <a:prstGeom prst="rect">
-                <a:avLst/>
-              </a:prstGeom>
+              </a:solidFill>
+              <a:tailEnd type="triangle"/>
+            </a:ln>
+          </p:spPr>
+          <p:style>
+            <a:lnRef idx="1">
+              <a:schemeClr val="accent1"/>
+            </a:lnRef>
+            <a:fillRef idx="0">
+              <a:schemeClr val="accent1"/>
+            </a:fillRef>
+            <a:effectRef idx="0">
+              <a:schemeClr val="accent1"/>
+            </a:effectRef>
+            <a:fontRef idx="minor">
+              <a:schemeClr val="tx1"/>
+            </a:fontRef>
+          </p:style>
+        </p:cxnSp>
+        <p:sp>
+          <p:nvSpPr>
+            <p:cNvPr id="337" name="Rectangle 336"/>
+            <p:cNvSpPr/>
+            <p:nvPr/>
+          </p:nvSpPr>
+          <p:spPr>
+            <a:xfrm>
+              <a:off x="3415505" y="4910959"/>
+              <a:ext cx="639466" cy="108000"/>
+            </a:xfrm>
+            <a:prstGeom prst="rect">
+              <a:avLst/>
+            </a:prstGeom>
+            <a:solidFill>
+              <a:schemeClr val="bg1"/>
+            </a:solidFill>
+            <a:ln>
               <a:solidFill>
                 <a:schemeClr val="bg1"/>
               </a:solidFill>
-              <a:ln>
-                <a:solidFill>
-                  <a:schemeClr val="bg1"/>
-                </a:solidFill>
-              </a:ln>
-            </p:spPr>
-            <p:style>
-              <a:lnRef idx="2">
-                <a:schemeClr val="accent1">
-                  <a:shade val="50000"/>
-                </a:schemeClr>
-              </a:lnRef>
-              <a:fillRef idx="1">
-                <a:schemeClr val="accent1"/>
-              </a:fillRef>
-              <a:effectRef idx="0">
-                <a:schemeClr val="accent1"/>
-              </a:effectRef>
-              <a:fontRef idx="minor">
-                <a:schemeClr val="lt1"/>
-              </a:fontRef>
-            </p:style>
-            <p:txBody>
-              <a:bodyPr rtlCol="0" anchor="ctr"/>
-              <a:lstStyle/>
-              <a:p>
-                <a:pPr algn="ctr"/>
-                <a:endParaRPr lang="en-GB" b="1"/>
-              </a:p>
-            </p:txBody>
-          </p:sp>
-          <p:sp>
-            <p:nvSpPr>
-              <p:cNvPr id="337" name="Rectangle 336"/>
-              <p:cNvSpPr/>
-              <p:nvPr/>
-            </p:nvSpPr>
-            <p:spPr>
-              <a:xfrm>
-                <a:off x="1711616" y="4703141"/>
-                <a:ext cx="639466" cy="108000"/>
-              </a:xfrm>
-              <a:prstGeom prst="rect">
-                <a:avLst/>
-              </a:prstGeom>
-              <a:solidFill>
-                <a:schemeClr val="bg1"/>
-              </a:solidFill>
-              <a:ln>
-                <a:solidFill>
-                  <a:schemeClr val="bg1"/>
-                </a:solidFill>
-              </a:ln>
-            </p:spPr>
-            <p:style>
-              <a:lnRef idx="2">
-                <a:schemeClr val="accent1">
-                  <a:shade val="50000"/>
-                </a:schemeClr>
-              </a:lnRef>
-              <a:fillRef idx="1">
-                <a:schemeClr val="accent1"/>
-              </a:fillRef>
-              <a:effectRef idx="0">
-                <a:schemeClr val="accent1"/>
-              </a:effectRef>
-              <a:fontRef idx="minor">
-                <a:schemeClr val="lt1"/>
-              </a:fontRef>
-            </p:style>
-            <p:txBody>
-              <a:bodyPr rtlCol="0" anchor="ctr"/>
-              <a:lstStyle/>
-              <a:p>
-                <a:pPr algn="ctr"/>
-                <a:r>
-                  <a:rPr lang="en-GB" sz="800" b="1" dirty="0" smtClean="0">
-                    <a:ln w="0"/>
-                    <a:solidFill>
-                      <a:schemeClr val="tx1"/>
-                    </a:solidFill>
-                    <a:effectLst>
-                      <a:outerShdw blurRad="38100" dist="19050" dir="2700000" algn="tl" rotWithShape="0">
-                        <a:schemeClr val="dk1">
-                          <a:alpha val="40000"/>
-                        </a:schemeClr>
-                      </a:outerShdw>
-                    </a:effectLst>
-                  </a:rPr>
-                  <a:t>Include</a:t>
-                </a:r>
-                <a:endParaRPr lang="en-GB" sz="800" b="1" dirty="0">
+            </a:ln>
+          </p:spPr>
+          <p:style>
+            <a:lnRef idx="2">
+              <a:schemeClr val="accent1">
+                <a:shade val="50000"/>
+              </a:schemeClr>
+            </a:lnRef>
+            <a:fillRef idx="1">
+              <a:schemeClr val="accent1"/>
+            </a:fillRef>
+            <a:effectRef idx="0">
+              <a:schemeClr val="accent1"/>
+            </a:effectRef>
+            <a:fontRef idx="minor">
+              <a:schemeClr val="lt1"/>
+            </a:fontRef>
+          </p:style>
+          <p:txBody>
+            <a:bodyPr rtlCol="0" anchor="ctr"/>
+            <a:lstStyle/>
+            <a:p>
+              <a:pPr algn="ctr"/>
+              <a:r>
+                <a:rPr lang="en-GB" sz="800" b="1" dirty="0" smtClean="0">
                   <a:ln w="0"/>
                   <a:solidFill>
                     <a:schemeClr val="tx1"/>
@@ -10363,71 +10063,71 @@
                       </a:schemeClr>
                     </a:outerShdw>
                   </a:effectLst>
-                </a:endParaRPr>
-              </a:p>
-            </p:txBody>
-          </p:sp>
-          <p:sp>
-            <p:nvSpPr>
-              <p:cNvPr id="338" name="Rectangle 337"/>
-              <p:cNvSpPr/>
-              <p:nvPr/>
-            </p:nvSpPr>
-            <p:spPr>
-              <a:xfrm>
-                <a:off x="1689096" y="6160486"/>
-                <a:ext cx="639466" cy="108000"/>
-              </a:xfrm>
-              <a:prstGeom prst="rect">
-                <a:avLst/>
-              </a:prstGeom>
+                </a:rPr>
+                <a:t>Include</a:t>
+              </a:r>
+              <a:endParaRPr lang="en-GB" sz="800" b="1" dirty="0">
+                <a:ln w="0"/>
+                <a:solidFill>
+                  <a:schemeClr val="tx1"/>
+                </a:solidFill>
+                <a:effectLst>
+                  <a:outerShdw blurRad="38100" dist="19050" dir="2700000" algn="tl" rotWithShape="0">
+                    <a:schemeClr val="dk1">
+                      <a:alpha val="40000"/>
+                    </a:schemeClr>
+                  </a:outerShdw>
+                </a:effectLst>
+              </a:endParaRPr>
+            </a:p>
+          </p:txBody>
+        </p:sp>
+        <p:sp>
+          <p:nvSpPr>
+            <p:cNvPr id="338" name="Rectangle 337"/>
+            <p:cNvSpPr/>
+            <p:nvPr/>
+          </p:nvSpPr>
+          <p:spPr>
+            <a:xfrm>
+              <a:off x="3417924" y="6251929"/>
+              <a:ext cx="639466" cy="108000"/>
+            </a:xfrm>
+            <a:prstGeom prst="rect">
+              <a:avLst/>
+            </a:prstGeom>
+            <a:solidFill>
+              <a:schemeClr val="bg1"/>
+            </a:solidFill>
+            <a:ln>
               <a:solidFill>
                 <a:schemeClr val="bg1"/>
               </a:solidFill>
-              <a:ln>
-                <a:solidFill>
-                  <a:schemeClr val="bg1"/>
-                </a:solidFill>
-              </a:ln>
-            </p:spPr>
-            <p:style>
-              <a:lnRef idx="2">
-                <a:schemeClr val="accent1">
-                  <a:shade val="50000"/>
-                </a:schemeClr>
-              </a:lnRef>
-              <a:fillRef idx="1">
-                <a:schemeClr val="accent1"/>
-              </a:fillRef>
-              <a:effectRef idx="0">
-                <a:schemeClr val="accent1"/>
-              </a:effectRef>
-              <a:fontRef idx="minor">
-                <a:schemeClr val="lt1"/>
-              </a:fontRef>
-            </p:style>
-            <p:txBody>
-              <a:bodyPr rtlCol="0" anchor="ctr"/>
-              <a:lstStyle/>
-              <a:p>
-                <a:pPr algn="ctr"/>
-                <a:r>
-                  <a:rPr lang="en-GB" sz="800" b="1" dirty="0" smtClean="0">
-                    <a:ln w="0"/>
-                    <a:solidFill>
-                      <a:schemeClr val="tx1"/>
-                    </a:solidFill>
-                    <a:effectLst>
-                      <a:outerShdw blurRad="38100" dist="19050" dir="2700000" algn="tl" rotWithShape="0">
-                        <a:schemeClr val="dk1">
-                          <a:alpha val="40000"/>
-                        </a:schemeClr>
-                      </a:outerShdw>
-                    </a:effectLst>
-                  </a:rPr>
-                  <a:t>Include</a:t>
-                </a:r>
-                <a:endParaRPr lang="en-GB" sz="800" b="1" dirty="0">
+            </a:ln>
+          </p:spPr>
+          <p:style>
+            <a:lnRef idx="2">
+              <a:schemeClr val="accent1">
+                <a:shade val="50000"/>
+              </a:schemeClr>
+            </a:lnRef>
+            <a:fillRef idx="1">
+              <a:schemeClr val="accent1"/>
+            </a:fillRef>
+            <a:effectRef idx="0">
+              <a:schemeClr val="accent1"/>
+            </a:effectRef>
+            <a:fontRef idx="minor">
+              <a:schemeClr val="lt1"/>
+            </a:fontRef>
+          </p:style>
+          <p:txBody>
+            <a:bodyPr rtlCol="0" anchor="ctr"/>
+            <a:lstStyle/>
+            <a:p>
+              <a:pPr algn="ctr"/>
+              <a:r>
+                <a:rPr lang="en-GB" sz="800" b="1" dirty="0" smtClean="0">
                   <a:ln w="0"/>
                   <a:solidFill>
                     <a:schemeClr val="tx1"/>
@@ -10439,71 +10139,71 @@
                       </a:schemeClr>
                     </a:outerShdw>
                   </a:effectLst>
-                </a:endParaRPr>
-              </a:p>
-            </p:txBody>
-          </p:sp>
-          <p:sp>
-            <p:nvSpPr>
-              <p:cNvPr id="339" name="Rectangle 338"/>
-              <p:cNvSpPr/>
-              <p:nvPr/>
-            </p:nvSpPr>
-            <p:spPr>
-              <a:xfrm>
-                <a:off x="1686442" y="5374926"/>
-                <a:ext cx="639466" cy="108000"/>
-              </a:xfrm>
-              <a:prstGeom prst="rect">
-                <a:avLst/>
-              </a:prstGeom>
+                </a:rPr>
+                <a:t>Include</a:t>
+              </a:r>
+              <a:endParaRPr lang="en-GB" sz="800" b="1" dirty="0">
+                <a:ln w="0"/>
+                <a:solidFill>
+                  <a:schemeClr val="tx1"/>
+                </a:solidFill>
+                <a:effectLst>
+                  <a:outerShdw blurRad="38100" dist="19050" dir="2700000" algn="tl" rotWithShape="0">
+                    <a:schemeClr val="dk1">
+                      <a:alpha val="40000"/>
+                    </a:schemeClr>
+                  </a:outerShdw>
+                </a:effectLst>
+              </a:endParaRPr>
+            </a:p>
+          </p:txBody>
+        </p:sp>
+        <p:sp>
+          <p:nvSpPr>
+            <p:cNvPr id="339" name="Rectangle 338"/>
+            <p:cNvSpPr/>
+            <p:nvPr/>
+          </p:nvSpPr>
+          <p:spPr>
+            <a:xfrm>
+              <a:off x="3415270" y="5524560"/>
+              <a:ext cx="639466" cy="108000"/>
+            </a:xfrm>
+            <a:prstGeom prst="rect">
+              <a:avLst/>
+            </a:prstGeom>
+            <a:solidFill>
+              <a:schemeClr val="bg1"/>
+            </a:solidFill>
+            <a:ln>
               <a:solidFill>
                 <a:schemeClr val="bg1"/>
               </a:solidFill>
-              <a:ln>
-                <a:solidFill>
-                  <a:schemeClr val="bg1"/>
-                </a:solidFill>
-              </a:ln>
-            </p:spPr>
-            <p:style>
-              <a:lnRef idx="2">
-                <a:schemeClr val="accent1">
-                  <a:shade val="50000"/>
-                </a:schemeClr>
-              </a:lnRef>
-              <a:fillRef idx="1">
-                <a:schemeClr val="accent1"/>
-              </a:fillRef>
-              <a:effectRef idx="0">
-                <a:schemeClr val="accent1"/>
-              </a:effectRef>
-              <a:fontRef idx="minor">
-                <a:schemeClr val="lt1"/>
-              </a:fontRef>
-            </p:style>
-            <p:txBody>
-              <a:bodyPr rtlCol="0" anchor="ctr"/>
-              <a:lstStyle/>
-              <a:p>
-                <a:pPr algn="ctr"/>
-                <a:r>
-                  <a:rPr lang="en-GB" sz="800" b="1" dirty="0" smtClean="0">
-                    <a:ln w="0"/>
-                    <a:solidFill>
-                      <a:schemeClr val="tx1"/>
-                    </a:solidFill>
-                    <a:effectLst>
-                      <a:outerShdw blurRad="38100" dist="19050" dir="2700000" algn="tl" rotWithShape="0">
-                        <a:schemeClr val="dk1">
-                          <a:alpha val="40000"/>
-                        </a:schemeClr>
-                      </a:outerShdw>
-                    </a:effectLst>
-                  </a:rPr>
-                  <a:t>Include</a:t>
-                </a:r>
-                <a:endParaRPr lang="en-GB" sz="800" b="1" dirty="0">
+            </a:ln>
+          </p:spPr>
+          <p:style>
+            <a:lnRef idx="2">
+              <a:schemeClr val="accent1">
+                <a:shade val="50000"/>
+              </a:schemeClr>
+            </a:lnRef>
+            <a:fillRef idx="1">
+              <a:schemeClr val="accent1"/>
+            </a:fillRef>
+            <a:effectRef idx="0">
+              <a:schemeClr val="accent1"/>
+            </a:effectRef>
+            <a:fontRef idx="minor">
+              <a:schemeClr val="lt1"/>
+            </a:fontRef>
+          </p:style>
+          <p:txBody>
+            <a:bodyPr rtlCol="0" anchor="ctr"/>
+            <a:lstStyle/>
+            <a:p>
+              <a:pPr algn="ctr"/>
+              <a:r>
+                <a:rPr lang="en-GB" sz="800" b="1" dirty="0" smtClean="0">
                   <a:ln w="0"/>
                   <a:solidFill>
                     <a:schemeClr val="tx1"/>
@@ -10515,263 +10215,277 @@
                       </a:schemeClr>
                     </a:outerShdw>
                   </a:effectLst>
-                </a:endParaRPr>
-              </a:p>
-            </p:txBody>
-          </p:sp>
-          <p:sp>
-            <p:nvSpPr>
-              <p:cNvPr id="426" name="Oval 425"/>
-              <p:cNvSpPr/>
-              <p:nvPr/>
-            </p:nvSpPr>
-            <p:spPr>
-              <a:xfrm>
-                <a:off x="1149037" y="6394482"/>
-                <a:ext cx="1556508" cy="400993"/>
-              </a:xfrm>
-              <a:prstGeom prst="ellipse">
-                <a:avLst/>
-              </a:prstGeom>
-              <a:solidFill>
-                <a:schemeClr val="accent1">
-                  <a:lumMod val="20000"/>
-                  <a:lumOff val="80000"/>
-                </a:schemeClr>
-              </a:solidFill>
-              <a:ln>
+                </a:rPr>
+                <a:t>Include</a:t>
+              </a:r>
+              <a:endParaRPr lang="en-GB" sz="800" b="1" dirty="0">
+                <a:ln w="0"/>
                 <a:solidFill>
                   <a:schemeClr val="tx1"/>
                 </a:solidFill>
-              </a:ln>
-            </p:spPr>
-            <p:style>
-              <a:lnRef idx="2">
-                <a:schemeClr val="accent1">
-                  <a:shade val="50000"/>
-                </a:schemeClr>
-              </a:lnRef>
-              <a:fillRef idx="1">
-                <a:schemeClr val="accent1"/>
-              </a:fillRef>
-              <a:effectRef idx="0">
-                <a:schemeClr val="accent1"/>
-              </a:effectRef>
-              <a:fontRef idx="minor">
-                <a:schemeClr val="lt1"/>
-              </a:fontRef>
-            </p:style>
-            <p:txBody>
-              <a:bodyPr rtlCol="0" anchor="ctr"/>
-              <a:lstStyle/>
-              <a:p>
-                <a:pPr algn="ctr"/>
-                <a:r>
-                  <a:rPr lang="en-GB" sz="700" b="1" dirty="0" smtClean="0">
-                    <a:solidFill>
-                      <a:schemeClr val="tx1"/>
-                    </a:solidFill>
-                  </a:rPr>
-                  <a:t>Validate password minimum length</a:t>
-                </a:r>
-                <a:endParaRPr lang="en-GB" sz="700" b="1" dirty="0">
+                <a:effectLst>
+                  <a:outerShdw blurRad="38100" dist="19050" dir="2700000" algn="tl" rotWithShape="0">
+                    <a:schemeClr val="dk1">
+                      <a:alpha val="40000"/>
+                    </a:schemeClr>
+                  </a:outerShdw>
+                </a:effectLst>
+              </a:endParaRPr>
+            </a:p>
+          </p:txBody>
+        </p:sp>
+        <p:sp>
+          <p:nvSpPr>
+            <p:cNvPr id="426" name="Oval 425"/>
+            <p:cNvSpPr/>
+            <p:nvPr/>
+          </p:nvSpPr>
+          <p:spPr>
+            <a:xfrm>
+              <a:off x="2936056" y="6485925"/>
+              <a:ext cx="1556508" cy="400993"/>
+            </a:xfrm>
+            <a:prstGeom prst="ellipse">
+              <a:avLst/>
+            </a:prstGeom>
+            <a:solidFill>
+              <a:schemeClr val="accent1">
+                <a:lumMod val="20000"/>
+                <a:lumOff val="80000"/>
+              </a:schemeClr>
+            </a:solidFill>
+            <a:ln>
+              <a:solidFill>
+                <a:schemeClr val="tx1"/>
+              </a:solidFill>
+            </a:ln>
+          </p:spPr>
+          <p:style>
+            <a:lnRef idx="2">
+              <a:schemeClr val="accent1">
+                <a:shade val="50000"/>
+              </a:schemeClr>
+            </a:lnRef>
+            <a:fillRef idx="1">
+              <a:schemeClr val="accent1"/>
+            </a:fillRef>
+            <a:effectRef idx="0">
+              <a:schemeClr val="accent1"/>
+            </a:effectRef>
+            <a:fontRef idx="minor">
+              <a:schemeClr val="lt1"/>
+            </a:fontRef>
+          </p:style>
+          <p:txBody>
+            <a:bodyPr rtlCol="0" anchor="ctr"/>
+            <a:lstStyle/>
+            <a:p>
+              <a:pPr algn="ctr"/>
+              <a:r>
+                <a:rPr lang="en-GB" sz="700" b="1" dirty="0" smtClean="0">
                   <a:solidFill>
                     <a:schemeClr val="tx1"/>
                   </a:solidFill>
-                </a:endParaRPr>
-              </a:p>
-            </p:txBody>
-          </p:sp>
-          <p:sp>
-            <p:nvSpPr>
-              <p:cNvPr id="427" name="Oval 426"/>
-              <p:cNvSpPr/>
-              <p:nvPr/>
-            </p:nvSpPr>
-            <p:spPr>
-              <a:xfrm>
-                <a:off x="1251176" y="4972568"/>
-                <a:ext cx="1437511" cy="324000"/>
-              </a:xfrm>
-              <a:prstGeom prst="ellipse">
-                <a:avLst/>
-              </a:prstGeom>
-              <a:solidFill>
-                <a:schemeClr val="accent1">
-                  <a:lumMod val="20000"/>
-                  <a:lumOff val="80000"/>
-                </a:schemeClr>
-              </a:solidFill>
-              <a:ln>
+                </a:rPr>
+                <a:t>Validate password minimum length</a:t>
+              </a:r>
+              <a:endParaRPr lang="en-GB" sz="700" b="1" dirty="0">
                 <a:solidFill>
                   <a:schemeClr val="tx1"/>
                 </a:solidFill>
-              </a:ln>
-            </p:spPr>
-            <p:style>
-              <a:lnRef idx="2">
-                <a:schemeClr val="accent1">
-                  <a:shade val="50000"/>
-                </a:schemeClr>
-              </a:lnRef>
-              <a:fillRef idx="1">
-                <a:schemeClr val="accent1"/>
-              </a:fillRef>
-              <a:effectRef idx="0">
-                <a:schemeClr val="accent1"/>
-              </a:effectRef>
-              <a:fontRef idx="minor">
-                <a:schemeClr val="lt1"/>
-              </a:fontRef>
-            </p:style>
-            <p:txBody>
-              <a:bodyPr rtlCol="0" anchor="ctr"/>
-              <a:lstStyle/>
-              <a:p>
-                <a:pPr algn="ctr"/>
-                <a:r>
-                  <a:rPr lang="en-GB" sz="700" b="1" dirty="0" smtClean="0">
-                    <a:solidFill>
-                      <a:schemeClr val="tx1"/>
-                    </a:solidFill>
-                  </a:rPr>
-                  <a:t>Show generic error message</a:t>
-                </a:r>
-                <a:endParaRPr lang="en-GB" sz="700" b="1" dirty="0">
+              </a:endParaRPr>
+            </a:p>
+          </p:txBody>
+        </p:sp>
+        <p:sp>
+          <p:nvSpPr>
+            <p:cNvPr id="427" name="Oval 426"/>
+            <p:cNvSpPr/>
+            <p:nvPr/>
+          </p:nvSpPr>
+          <p:spPr>
+            <a:xfrm>
+              <a:off x="2988155" y="5121395"/>
+              <a:ext cx="1437511" cy="324000"/>
+            </a:xfrm>
+            <a:prstGeom prst="ellipse">
+              <a:avLst/>
+            </a:prstGeom>
+            <a:solidFill>
+              <a:schemeClr val="accent1">
+                <a:lumMod val="20000"/>
+                <a:lumOff val="80000"/>
+              </a:schemeClr>
+            </a:solidFill>
+            <a:ln>
+              <a:solidFill>
+                <a:schemeClr val="tx1"/>
+              </a:solidFill>
+            </a:ln>
+          </p:spPr>
+          <p:style>
+            <a:lnRef idx="2">
+              <a:schemeClr val="accent1">
+                <a:shade val="50000"/>
+              </a:schemeClr>
+            </a:lnRef>
+            <a:fillRef idx="1">
+              <a:schemeClr val="accent1"/>
+            </a:fillRef>
+            <a:effectRef idx="0">
+              <a:schemeClr val="accent1"/>
+            </a:effectRef>
+            <a:fontRef idx="minor">
+              <a:schemeClr val="lt1"/>
+            </a:fontRef>
+          </p:style>
+          <p:txBody>
+            <a:bodyPr rtlCol="0" anchor="ctr"/>
+            <a:lstStyle/>
+            <a:p>
+              <a:pPr algn="ctr"/>
+              <a:r>
+                <a:rPr lang="en-GB" sz="700" b="1" dirty="0" smtClean="0">
                   <a:solidFill>
                     <a:schemeClr val="tx1"/>
                   </a:solidFill>
-                </a:endParaRPr>
-              </a:p>
-            </p:txBody>
-          </p:sp>
-          <p:sp>
-            <p:nvSpPr>
-              <p:cNvPr id="428" name="Oval 427"/>
-              <p:cNvSpPr/>
-              <p:nvPr/>
-            </p:nvSpPr>
-            <p:spPr>
-              <a:xfrm>
-                <a:off x="1301629" y="5637876"/>
-                <a:ext cx="1528020" cy="417029"/>
-              </a:xfrm>
-              <a:prstGeom prst="ellipse">
-                <a:avLst/>
-              </a:prstGeom>
-              <a:solidFill>
-                <a:schemeClr val="accent1">
-                  <a:lumMod val="20000"/>
-                  <a:lumOff val="80000"/>
-                </a:schemeClr>
-              </a:solidFill>
-              <a:ln>
+                </a:rPr>
+                <a:t>Show generic error message</a:t>
+              </a:r>
+              <a:endParaRPr lang="en-GB" sz="700" b="1" dirty="0">
                 <a:solidFill>
                   <a:schemeClr val="tx1"/>
                 </a:solidFill>
-              </a:ln>
-            </p:spPr>
-            <p:style>
-              <a:lnRef idx="2">
-                <a:schemeClr val="accent1">
-                  <a:shade val="50000"/>
-                </a:schemeClr>
-              </a:lnRef>
-              <a:fillRef idx="1">
-                <a:schemeClr val="accent1"/>
-              </a:fillRef>
-              <a:effectRef idx="0">
-                <a:schemeClr val="accent1"/>
-              </a:effectRef>
-              <a:fontRef idx="minor">
-                <a:schemeClr val="lt1"/>
-              </a:fontRef>
-            </p:style>
-            <p:txBody>
-              <a:bodyPr rtlCol="0" anchor="ctr"/>
-              <a:lstStyle/>
-              <a:p>
-                <a:pPr algn="ctr"/>
-                <a:r>
-                  <a:rPr lang="en-GB" sz="700" b="1" dirty="0" smtClean="0">
-                    <a:solidFill>
-                      <a:schemeClr val="tx1"/>
-                    </a:solidFill>
-                  </a:rPr>
-                  <a:t>Lock account after N failed attempts</a:t>
-                </a:r>
-                <a:endParaRPr lang="en-GB" sz="700" b="1" dirty="0">
+              </a:endParaRPr>
+            </a:p>
+          </p:txBody>
+        </p:sp>
+        <p:sp>
+          <p:nvSpPr>
+            <p:cNvPr id="428" name="Oval 427"/>
+            <p:cNvSpPr/>
+            <p:nvPr/>
+          </p:nvSpPr>
+          <p:spPr>
+            <a:xfrm>
+              <a:off x="2997205" y="5762571"/>
+              <a:ext cx="1528020" cy="417029"/>
+            </a:xfrm>
+            <a:prstGeom prst="ellipse">
+              <a:avLst/>
+            </a:prstGeom>
+            <a:solidFill>
+              <a:schemeClr val="accent1">
+                <a:lumMod val="20000"/>
+                <a:lumOff val="80000"/>
+              </a:schemeClr>
+            </a:solidFill>
+            <a:ln>
+              <a:solidFill>
+                <a:schemeClr val="tx1"/>
+              </a:solidFill>
+            </a:ln>
+          </p:spPr>
+          <p:style>
+            <a:lnRef idx="2">
+              <a:schemeClr val="accent1">
+                <a:shade val="50000"/>
+              </a:schemeClr>
+            </a:lnRef>
+            <a:fillRef idx="1">
+              <a:schemeClr val="accent1"/>
+            </a:fillRef>
+            <a:effectRef idx="0">
+              <a:schemeClr val="accent1"/>
+            </a:effectRef>
+            <a:fontRef idx="minor">
+              <a:schemeClr val="lt1"/>
+            </a:fontRef>
+          </p:style>
+          <p:txBody>
+            <a:bodyPr rtlCol="0" anchor="ctr"/>
+            <a:lstStyle/>
+            <a:p>
+              <a:pPr algn="ctr"/>
+              <a:r>
+                <a:rPr lang="en-GB" sz="700" b="1" dirty="0" smtClean="0">
                   <a:solidFill>
                     <a:schemeClr val="tx1"/>
                   </a:solidFill>
-                </a:endParaRPr>
-              </a:p>
-            </p:txBody>
-          </p:sp>
-          <p:sp>
-            <p:nvSpPr>
-              <p:cNvPr id="429" name="Oval 428"/>
-              <p:cNvSpPr/>
-              <p:nvPr/>
-            </p:nvSpPr>
-            <p:spPr>
-              <a:xfrm>
-                <a:off x="1334206" y="4203013"/>
-                <a:ext cx="1495443" cy="382677"/>
-              </a:xfrm>
-              <a:prstGeom prst="ellipse">
-                <a:avLst/>
-              </a:prstGeom>
-              <a:solidFill>
-                <a:schemeClr val="accent1">
-                  <a:lumMod val="20000"/>
-                  <a:lumOff val="80000"/>
-                </a:schemeClr>
-              </a:solidFill>
-              <a:ln>
+                </a:rPr>
+                <a:t>Lock account after N failed attempts</a:t>
+              </a:r>
+              <a:endParaRPr lang="en-GB" sz="700" b="1" dirty="0">
                 <a:solidFill>
                   <a:schemeClr val="tx1"/>
                 </a:solidFill>
-              </a:ln>
-            </p:spPr>
-            <p:style>
-              <a:lnRef idx="2">
-                <a:schemeClr val="accent1">
-                  <a:shade val="50000"/>
-                </a:schemeClr>
-              </a:lnRef>
-              <a:fillRef idx="1">
-                <a:schemeClr val="accent1"/>
-              </a:fillRef>
-              <a:effectRef idx="0">
-                <a:schemeClr val="accent1"/>
-              </a:effectRef>
-              <a:fontRef idx="minor">
-                <a:schemeClr val="lt1"/>
-              </a:fontRef>
-            </p:style>
-            <p:txBody>
-              <a:bodyPr rtlCol="0" anchor="ctr"/>
-              <a:lstStyle/>
-              <a:p>
-                <a:pPr algn="ctr"/>
-                <a:r>
-                  <a:rPr lang="en-GB" sz="700" b="1" dirty="0" smtClean="0">
-                    <a:solidFill>
-                      <a:schemeClr val="tx1"/>
-                    </a:solidFill>
-                  </a:rPr>
-                  <a:t>Username Authentication</a:t>
-                </a:r>
-                <a:endParaRPr lang="en-GB" sz="700" b="1" dirty="0">
+              </a:endParaRPr>
+            </a:p>
+          </p:txBody>
+        </p:sp>
+        <p:sp>
+          <p:nvSpPr>
+            <p:cNvPr id="429" name="Oval 428"/>
+            <p:cNvSpPr/>
+            <p:nvPr/>
+          </p:nvSpPr>
+          <p:spPr>
+            <a:xfrm>
+              <a:off x="2982633" y="4428455"/>
+              <a:ext cx="1495443" cy="382677"/>
+            </a:xfrm>
+            <a:prstGeom prst="ellipse">
+              <a:avLst/>
+            </a:prstGeom>
+            <a:solidFill>
+              <a:schemeClr val="accent1">
+                <a:lumMod val="20000"/>
+                <a:lumOff val="80000"/>
+              </a:schemeClr>
+            </a:solidFill>
+            <a:ln>
+              <a:solidFill>
+                <a:schemeClr val="tx1"/>
+              </a:solidFill>
+            </a:ln>
+          </p:spPr>
+          <p:style>
+            <a:lnRef idx="2">
+              <a:schemeClr val="accent1">
+                <a:shade val="50000"/>
+              </a:schemeClr>
+            </a:lnRef>
+            <a:fillRef idx="1">
+              <a:schemeClr val="accent1"/>
+            </a:fillRef>
+            <a:effectRef idx="0">
+              <a:schemeClr val="accent1"/>
+            </a:effectRef>
+            <a:fontRef idx="minor">
+              <a:schemeClr val="lt1"/>
+            </a:fontRef>
+          </p:style>
+          <p:txBody>
+            <a:bodyPr rtlCol="0" anchor="ctr"/>
+            <a:lstStyle/>
+            <a:p>
+              <a:pPr algn="ctr"/>
+              <a:r>
+                <a:rPr lang="en-GB" sz="700" b="1" dirty="0" smtClean="0">
                   <a:solidFill>
                     <a:schemeClr val="tx1"/>
                   </a:solidFill>
-                </a:endParaRPr>
-              </a:p>
-            </p:txBody>
-          </p:sp>
-        </p:grpSp>
+                </a:rPr>
+                <a:t>Username Authentication</a:t>
+              </a:r>
+              <a:endParaRPr lang="en-GB" sz="700" b="1" dirty="0">
+                <a:solidFill>
+                  <a:schemeClr val="tx1"/>
+                </a:solidFill>
+              </a:endParaRPr>
+            </a:p>
+          </p:txBody>
+        </p:sp>
         <p:grpSp>
           <p:nvGrpSpPr>
             <p:cNvPr id="344" name="Group 343"/>
@@ -10780,7 +10494,7 @@
           </p:nvGrpSpPr>
           <p:grpSpPr>
             <a:xfrm>
-              <a:off x="4250046" y="5033188"/>
+              <a:off x="5712655" y="5097588"/>
               <a:ext cx="1447955" cy="1737235"/>
               <a:chOff x="4250046" y="5033188"/>
               <a:chExt cx="1447955" cy="1737235"/>
@@ -11191,227 +10905,208 @@
             </p:txBody>
           </p:sp>
         </p:grpSp>
-        <p:grpSp>
-          <p:nvGrpSpPr>
-            <p:cNvPr id="364" name="Group 363"/>
-            <p:cNvGrpSpPr/>
+        <p:cxnSp>
+          <p:nvCxnSpPr>
+            <p:cNvPr id="347" name="Straight Arrow Connector 346"/>
+            <p:cNvCxnSpPr>
+              <a:stCxn id="291" idx="2"/>
+              <a:endCxn id="429" idx="5"/>
+            </p:cNvCxnSpPr>
             <p:nvPr/>
-          </p:nvGrpSpPr>
-          <p:grpSpPr>
+          </p:nvCxnSpPr>
+          <p:spPr>
+            <a:xfrm flipH="1" flipV="1">
+              <a:off x="4259073" y="4755090"/>
+              <a:ext cx="1454073" cy="522498"/>
+            </a:xfrm>
+            <a:prstGeom prst="straightConnector1">
+              <a:avLst/>
+            </a:prstGeom>
+            <a:ln>
+              <a:solidFill>
+                <a:srgbClr val="FF0000"/>
+              </a:solidFill>
+              <a:tailEnd type="triangle"/>
+            </a:ln>
+          </p:spPr>
+          <p:style>
+            <a:lnRef idx="1">
+              <a:schemeClr val="accent1"/>
+            </a:lnRef>
+            <a:fillRef idx="0">
+              <a:schemeClr val="accent1"/>
+            </a:fillRef>
+            <a:effectRef idx="0">
+              <a:schemeClr val="accent1"/>
+            </a:effectRef>
+            <a:fontRef idx="minor">
+              <a:schemeClr val="tx1"/>
+            </a:fontRef>
+          </p:style>
+        </p:cxnSp>
+        <p:cxnSp>
+          <p:nvCxnSpPr>
+            <p:cNvPr id="352" name="Straight Arrow Connector 351"/>
+            <p:cNvCxnSpPr>
+              <a:stCxn id="427" idx="6"/>
+              <a:endCxn id="302" idx="2"/>
+            </p:cNvCxnSpPr>
+            <p:nvPr/>
+          </p:nvCxnSpPr>
+          <p:spPr>
             <a:xfrm>
-              <a:off x="2648263" y="4385883"/>
-              <a:ext cx="1822643" cy="2209094"/>
-              <a:chOff x="2648263" y="4385883"/>
-              <a:chExt cx="1822643" cy="2209094"/>
+              <a:off x="4425666" y="5283395"/>
+              <a:ext cx="1294944" cy="675279"/>
             </a:xfrm>
-          </p:grpSpPr>
-          <p:cxnSp>
-            <p:nvCxnSpPr>
-              <p:cNvPr id="347" name="Straight Arrow Connector 346"/>
-              <p:cNvCxnSpPr/>
-              <p:nvPr/>
-            </p:nvCxnSpPr>
-            <p:spPr>
-              <a:xfrm flipH="1" flipV="1">
-                <a:off x="2839997" y="4385883"/>
-                <a:ext cx="1384649" cy="767500"/>
-              </a:xfrm>
-              <a:prstGeom prst="straightConnector1">
-                <a:avLst/>
-              </a:prstGeom>
-              <a:ln>
-                <a:solidFill>
-                  <a:srgbClr val="FF0000"/>
-                </a:solidFill>
-                <a:tailEnd type="triangle"/>
-              </a:ln>
-            </p:spPr>
-            <p:style>
-              <a:lnRef idx="1">
-                <a:schemeClr val="accent1"/>
-              </a:lnRef>
-              <a:fillRef idx="0">
-                <a:schemeClr val="accent1"/>
-              </a:fillRef>
-              <a:effectRef idx="0">
-                <a:schemeClr val="accent1"/>
-              </a:effectRef>
-              <a:fontRef idx="minor">
-                <a:schemeClr val="tx1"/>
-              </a:fontRef>
-            </p:style>
-          </p:cxnSp>
-          <p:cxnSp>
-            <p:nvCxnSpPr>
-              <p:cNvPr id="352" name="Straight Arrow Connector 351"/>
-              <p:cNvCxnSpPr/>
-              <p:nvPr/>
-            </p:nvCxnSpPr>
-            <p:spPr>
-              <a:xfrm>
-                <a:off x="2648263" y="5095766"/>
-                <a:ext cx="1661299" cy="732396"/>
-              </a:xfrm>
-              <a:prstGeom prst="straightConnector1">
-                <a:avLst/>
-              </a:prstGeom>
-              <a:ln>
-                <a:solidFill>
-                  <a:srgbClr val="00B050"/>
-                </a:solidFill>
-                <a:tailEnd type="triangle"/>
-              </a:ln>
-            </p:spPr>
-            <p:style>
-              <a:lnRef idx="1">
-                <a:schemeClr val="accent1"/>
-              </a:lnRef>
-              <a:fillRef idx="0">
-                <a:schemeClr val="accent1"/>
-              </a:fillRef>
-              <a:effectRef idx="0">
-                <a:schemeClr val="accent1"/>
-              </a:effectRef>
-              <a:fontRef idx="minor">
-                <a:schemeClr val="tx1"/>
-              </a:fontRef>
-            </p:style>
-          </p:cxnSp>
-          <p:cxnSp>
-            <p:nvCxnSpPr>
-              <p:cNvPr id="353" name="Straight Arrow Connector 352"/>
-              <p:cNvCxnSpPr/>
-              <p:nvPr/>
-            </p:nvCxnSpPr>
-            <p:spPr>
-              <a:xfrm>
-                <a:off x="2805886" y="5889239"/>
-                <a:ext cx="1459992" cy="651272"/>
-              </a:xfrm>
-              <a:prstGeom prst="straightConnector1">
-                <a:avLst/>
-              </a:prstGeom>
-              <a:ln>
-                <a:solidFill>
-                  <a:srgbClr val="00B050"/>
-                </a:solidFill>
-                <a:tailEnd type="triangle"/>
-              </a:ln>
-            </p:spPr>
-            <p:style>
-              <a:lnRef idx="1">
-                <a:schemeClr val="accent1"/>
-              </a:lnRef>
-              <a:fillRef idx="0">
-                <a:schemeClr val="accent1"/>
-              </a:fillRef>
-              <a:effectRef idx="0">
-                <a:schemeClr val="accent1"/>
-              </a:effectRef>
-              <a:fontRef idx="minor">
-                <a:schemeClr val="tx1"/>
-              </a:fontRef>
-            </p:style>
-          </p:cxnSp>
-          <p:cxnSp>
-            <p:nvCxnSpPr>
-              <p:cNvPr id="356" name="Straight Arrow Connector 355"/>
-              <p:cNvCxnSpPr>
-                <a:stCxn id="227" idx="6"/>
-              </p:cNvCxnSpPr>
-              <p:nvPr/>
-            </p:nvCxnSpPr>
-            <p:spPr>
-              <a:xfrm flipV="1">
-                <a:off x="2707426" y="5370977"/>
-                <a:ext cx="1763480" cy="1224000"/>
-              </a:xfrm>
-              <a:prstGeom prst="straightConnector1">
-                <a:avLst/>
-              </a:prstGeom>
-              <a:ln>
-                <a:solidFill>
-                  <a:srgbClr val="00B050"/>
-                </a:solidFill>
-                <a:tailEnd type="triangle"/>
-              </a:ln>
-            </p:spPr>
-            <p:style>
-              <a:lnRef idx="1">
-                <a:schemeClr val="accent1"/>
-              </a:lnRef>
-              <a:fillRef idx="0">
-                <a:schemeClr val="accent1"/>
-              </a:fillRef>
-              <a:effectRef idx="0">
-                <a:schemeClr val="accent1"/>
-              </a:effectRef>
-              <a:fontRef idx="minor">
-                <a:schemeClr val="tx1"/>
-              </a:fontRef>
-            </p:style>
-          </p:cxnSp>
-          <p:sp>
-            <p:nvSpPr>
-              <p:cNvPr id="360" name="Rectangle 359"/>
-              <p:cNvSpPr/>
-              <p:nvPr/>
-            </p:nvSpPr>
-            <p:spPr>
-              <a:xfrm>
-                <a:off x="3057764" y="4627031"/>
-                <a:ext cx="639466" cy="108000"/>
-              </a:xfrm>
-              <a:prstGeom prst="rect">
-                <a:avLst/>
-              </a:prstGeom>
+            <a:prstGeom prst="straightConnector1">
+              <a:avLst/>
+            </a:prstGeom>
+            <a:ln>
+              <a:solidFill>
+                <a:srgbClr val="00B050"/>
+              </a:solidFill>
+              <a:tailEnd type="triangle"/>
+            </a:ln>
+          </p:spPr>
+          <p:style>
+            <a:lnRef idx="1">
+              <a:schemeClr val="accent1"/>
+            </a:lnRef>
+            <a:fillRef idx="0">
+              <a:schemeClr val="accent1"/>
+            </a:fillRef>
+            <a:effectRef idx="0">
+              <a:schemeClr val="accent1"/>
+            </a:effectRef>
+            <a:fontRef idx="minor">
+              <a:schemeClr val="tx1"/>
+            </a:fontRef>
+          </p:style>
+        </p:cxnSp>
+        <p:cxnSp>
+          <p:nvCxnSpPr>
+            <p:cNvPr id="353" name="Straight Arrow Connector 352"/>
+            <p:cNvCxnSpPr>
+              <a:stCxn id="428" idx="6"/>
+              <a:endCxn id="303" idx="2"/>
+            </p:cNvCxnSpPr>
+            <p:nvPr/>
+          </p:nvCxnSpPr>
+          <p:spPr>
+            <a:xfrm>
+              <a:off x="4525225" y="5971086"/>
+              <a:ext cx="1187430" cy="683737"/>
+            </a:xfrm>
+            <a:prstGeom prst="straightConnector1">
+              <a:avLst/>
+            </a:prstGeom>
+            <a:ln>
+              <a:solidFill>
+                <a:srgbClr val="00B050"/>
+              </a:solidFill>
+              <a:tailEnd type="triangle"/>
+            </a:ln>
+          </p:spPr>
+          <p:style>
+            <a:lnRef idx="1">
+              <a:schemeClr val="accent1"/>
+            </a:lnRef>
+            <a:fillRef idx="0">
+              <a:schemeClr val="accent1"/>
+            </a:fillRef>
+            <a:effectRef idx="0">
+              <a:schemeClr val="accent1"/>
+            </a:effectRef>
+            <a:fontRef idx="minor">
+              <a:schemeClr val="tx1"/>
+            </a:fontRef>
+          </p:style>
+        </p:cxnSp>
+        <p:cxnSp>
+          <p:nvCxnSpPr>
+            <p:cNvPr id="356" name="Straight Arrow Connector 355"/>
+            <p:cNvCxnSpPr>
+              <a:stCxn id="426" idx="6"/>
+              <a:endCxn id="291" idx="3"/>
+            </p:cNvCxnSpPr>
+            <p:nvPr/>
+          </p:nvCxnSpPr>
+          <p:spPr>
+            <a:xfrm flipV="1">
+              <a:off x="4492564" y="5404867"/>
+              <a:ext cx="1431465" cy="1281555"/>
+            </a:xfrm>
+            <a:prstGeom prst="straightConnector1">
+              <a:avLst/>
+            </a:prstGeom>
+            <a:ln>
+              <a:solidFill>
+                <a:srgbClr val="00B050"/>
+              </a:solidFill>
+              <a:tailEnd type="triangle"/>
+            </a:ln>
+          </p:spPr>
+          <p:style>
+            <a:lnRef idx="1">
+              <a:schemeClr val="accent1"/>
+            </a:lnRef>
+            <a:fillRef idx="0">
+              <a:schemeClr val="accent1"/>
+            </a:fillRef>
+            <a:effectRef idx="0">
+              <a:schemeClr val="accent1"/>
+            </a:effectRef>
+            <a:fontRef idx="minor">
+              <a:schemeClr val="tx1"/>
+            </a:fontRef>
+          </p:style>
+        </p:cxnSp>
+        <p:sp>
+          <p:nvSpPr>
+            <p:cNvPr id="360" name="Rectangle 359"/>
+            <p:cNvSpPr/>
+            <p:nvPr/>
+          </p:nvSpPr>
+          <p:spPr>
+            <a:xfrm>
+              <a:off x="4565953" y="4887832"/>
+              <a:ext cx="639466" cy="108000"/>
+            </a:xfrm>
+            <a:prstGeom prst="rect">
+              <a:avLst/>
+            </a:prstGeom>
+            <a:solidFill>
+              <a:schemeClr val="bg1"/>
+            </a:solidFill>
+            <a:ln>
               <a:solidFill>
                 <a:schemeClr val="bg1"/>
               </a:solidFill>
-              <a:ln>
-                <a:solidFill>
-                  <a:schemeClr val="bg1"/>
-                </a:solidFill>
-              </a:ln>
-            </p:spPr>
-            <p:style>
-              <a:lnRef idx="2">
-                <a:schemeClr val="accent1">
-                  <a:shade val="50000"/>
-                </a:schemeClr>
-              </a:lnRef>
-              <a:fillRef idx="1">
-                <a:schemeClr val="accent1"/>
-              </a:fillRef>
-              <a:effectRef idx="0">
-                <a:schemeClr val="accent1"/>
-              </a:effectRef>
-              <a:fontRef idx="minor">
-                <a:schemeClr val="lt1"/>
-              </a:fontRef>
-            </p:style>
-            <p:txBody>
-              <a:bodyPr rtlCol="0" anchor="ctr"/>
-              <a:lstStyle/>
-              <a:p>
-                <a:pPr algn="ctr"/>
-                <a:r>
-                  <a:rPr lang="en-GB" sz="800" b="1" dirty="0" smtClean="0">
-                    <a:ln w="0"/>
-                    <a:solidFill>
-                      <a:schemeClr val="tx1"/>
-                    </a:solidFill>
-                    <a:effectLst>
-                      <a:outerShdw blurRad="38100" dist="19050" dir="2700000" algn="tl" rotWithShape="0">
-                        <a:schemeClr val="dk1">
-                          <a:alpha val="40000"/>
-                        </a:schemeClr>
-                      </a:outerShdw>
-                    </a:effectLst>
-                  </a:rPr>
-                  <a:t>Threaten</a:t>
-                </a:r>
-                <a:endParaRPr lang="en-GB" sz="800" b="1" dirty="0">
+            </a:ln>
+          </p:spPr>
+          <p:style>
+            <a:lnRef idx="2">
+              <a:schemeClr val="accent1">
+                <a:shade val="50000"/>
+              </a:schemeClr>
+            </a:lnRef>
+            <a:fillRef idx="1">
+              <a:schemeClr val="accent1"/>
+            </a:fillRef>
+            <a:effectRef idx="0">
+              <a:schemeClr val="accent1"/>
+            </a:effectRef>
+            <a:fontRef idx="minor">
+              <a:schemeClr val="lt1"/>
+            </a:fontRef>
+          </p:style>
+          <p:txBody>
+            <a:bodyPr rtlCol="0" anchor="ctr"/>
+            <a:lstStyle/>
+            <a:p>
+              <a:pPr algn="ctr"/>
+              <a:r>
+                <a:rPr lang="en-GB" sz="800" b="1" dirty="0" smtClean="0">
                   <a:ln w="0"/>
                   <a:solidFill>
                     <a:schemeClr val="tx1"/>
@@ -11423,71 +11118,71 @@
                       </a:schemeClr>
                     </a:outerShdw>
                   </a:effectLst>
-                </a:endParaRPr>
-              </a:p>
-            </p:txBody>
-          </p:sp>
-          <p:sp>
-            <p:nvSpPr>
-              <p:cNvPr id="361" name="Rectangle 360"/>
-              <p:cNvSpPr/>
-              <p:nvPr/>
-            </p:nvSpPr>
-            <p:spPr>
-              <a:xfrm>
-                <a:off x="3090358" y="5372781"/>
-                <a:ext cx="639466" cy="108000"/>
-              </a:xfrm>
-              <a:prstGeom prst="rect">
-                <a:avLst/>
-              </a:prstGeom>
+                </a:rPr>
+                <a:t>Threaten</a:t>
+              </a:r>
+              <a:endParaRPr lang="en-GB" sz="800" b="1" dirty="0">
+                <a:ln w="0"/>
+                <a:solidFill>
+                  <a:schemeClr val="tx1"/>
+                </a:solidFill>
+                <a:effectLst>
+                  <a:outerShdw blurRad="38100" dist="19050" dir="2700000" algn="tl" rotWithShape="0">
+                    <a:schemeClr val="dk1">
+                      <a:alpha val="40000"/>
+                    </a:schemeClr>
+                  </a:outerShdw>
+                </a:effectLst>
+              </a:endParaRPr>
+            </a:p>
+          </p:txBody>
+        </p:sp>
+        <p:sp>
+          <p:nvSpPr>
+            <p:cNvPr id="361" name="Rectangle 360"/>
+            <p:cNvSpPr/>
+            <p:nvPr/>
+          </p:nvSpPr>
+          <p:spPr>
+            <a:xfrm>
+              <a:off x="4443836" y="5430622"/>
+              <a:ext cx="639466" cy="108000"/>
+            </a:xfrm>
+            <a:prstGeom prst="rect">
+              <a:avLst/>
+            </a:prstGeom>
+            <a:solidFill>
+              <a:schemeClr val="bg1"/>
+            </a:solidFill>
+            <a:ln>
               <a:solidFill>
                 <a:schemeClr val="bg1"/>
               </a:solidFill>
-              <a:ln>
-                <a:solidFill>
-                  <a:schemeClr val="bg1"/>
-                </a:solidFill>
-              </a:ln>
-            </p:spPr>
-            <p:style>
-              <a:lnRef idx="2">
-                <a:schemeClr val="accent1">
-                  <a:shade val="50000"/>
-                </a:schemeClr>
-              </a:lnRef>
-              <a:fillRef idx="1">
-                <a:schemeClr val="accent1"/>
-              </a:fillRef>
-              <a:effectRef idx="0">
-                <a:schemeClr val="accent1"/>
-              </a:effectRef>
-              <a:fontRef idx="minor">
-                <a:schemeClr val="lt1"/>
-              </a:fontRef>
-            </p:style>
-            <p:txBody>
-              <a:bodyPr rtlCol="0" anchor="ctr"/>
-              <a:lstStyle/>
-              <a:p>
-                <a:pPr algn="ctr"/>
-                <a:r>
-                  <a:rPr lang="en-GB" sz="800" b="1" dirty="0" smtClean="0">
-                    <a:ln w="0"/>
-                    <a:solidFill>
-                      <a:schemeClr val="tx1"/>
-                    </a:solidFill>
-                    <a:effectLst>
-                      <a:outerShdw blurRad="38100" dist="19050" dir="2700000" algn="tl" rotWithShape="0">
-                        <a:schemeClr val="dk1">
-                          <a:alpha val="40000"/>
-                        </a:schemeClr>
-                      </a:outerShdw>
-                    </a:effectLst>
-                  </a:rPr>
-                  <a:t>Mitigate</a:t>
-                </a:r>
-                <a:endParaRPr lang="en-GB" sz="800" b="1" dirty="0">
+            </a:ln>
+          </p:spPr>
+          <p:style>
+            <a:lnRef idx="2">
+              <a:schemeClr val="accent1">
+                <a:shade val="50000"/>
+              </a:schemeClr>
+            </a:lnRef>
+            <a:fillRef idx="1">
+              <a:schemeClr val="accent1"/>
+            </a:fillRef>
+            <a:effectRef idx="0">
+              <a:schemeClr val="accent1"/>
+            </a:effectRef>
+            <a:fontRef idx="minor">
+              <a:schemeClr val="lt1"/>
+            </a:fontRef>
+          </p:style>
+          <p:txBody>
+            <a:bodyPr rtlCol="0" anchor="ctr"/>
+            <a:lstStyle/>
+            <a:p>
+              <a:pPr algn="ctr"/>
+              <a:r>
+                <a:rPr lang="en-GB" sz="800" b="1" dirty="0" smtClean="0">
                   <a:ln w="0"/>
                   <a:solidFill>
                     <a:schemeClr val="tx1"/>
@@ -11499,71 +11194,71 @@
                       </a:schemeClr>
                     </a:outerShdw>
                   </a:effectLst>
-                </a:endParaRPr>
-              </a:p>
-            </p:txBody>
-          </p:sp>
-          <p:sp>
-            <p:nvSpPr>
-              <p:cNvPr id="362" name="Rectangle 361"/>
-              <p:cNvSpPr/>
-              <p:nvPr/>
-            </p:nvSpPr>
-            <p:spPr>
-              <a:xfrm>
-                <a:off x="3405975" y="5792388"/>
-                <a:ext cx="639466" cy="108000"/>
-              </a:xfrm>
-              <a:prstGeom prst="rect">
-                <a:avLst/>
-              </a:prstGeom>
+                </a:rPr>
+                <a:t>Mitigate</a:t>
+              </a:r>
+              <a:endParaRPr lang="en-GB" sz="800" b="1" dirty="0">
+                <a:ln w="0"/>
+                <a:solidFill>
+                  <a:schemeClr val="tx1"/>
+                </a:solidFill>
+                <a:effectLst>
+                  <a:outerShdw blurRad="38100" dist="19050" dir="2700000" algn="tl" rotWithShape="0">
+                    <a:schemeClr val="dk1">
+                      <a:alpha val="40000"/>
+                    </a:schemeClr>
+                  </a:outerShdw>
+                </a:effectLst>
+              </a:endParaRPr>
+            </a:p>
+          </p:txBody>
+        </p:sp>
+        <p:sp>
+          <p:nvSpPr>
+            <p:cNvPr id="362" name="Rectangle 361"/>
+            <p:cNvSpPr/>
+            <p:nvPr/>
+          </p:nvSpPr>
+          <p:spPr>
+            <a:xfrm>
+              <a:off x="4871570" y="5951308"/>
+              <a:ext cx="639466" cy="108000"/>
+            </a:xfrm>
+            <a:prstGeom prst="rect">
+              <a:avLst/>
+            </a:prstGeom>
+            <a:solidFill>
+              <a:schemeClr val="bg1"/>
+            </a:solidFill>
+            <a:ln>
               <a:solidFill>
                 <a:schemeClr val="bg1"/>
               </a:solidFill>
-              <a:ln>
-                <a:solidFill>
-                  <a:schemeClr val="bg1"/>
-                </a:solidFill>
-              </a:ln>
-            </p:spPr>
-            <p:style>
-              <a:lnRef idx="2">
-                <a:schemeClr val="accent1">
-                  <a:shade val="50000"/>
-                </a:schemeClr>
-              </a:lnRef>
-              <a:fillRef idx="1">
-                <a:schemeClr val="accent1"/>
-              </a:fillRef>
-              <a:effectRef idx="0">
-                <a:schemeClr val="accent1"/>
-              </a:effectRef>
-              <a:fontRef idx="minor">
-                <a:schemeClr val="lt1"/>
-              </a:fontRef>
-            </p:style>
-            <p:txBody>
-              <a:bodyPr rtlCol="0" anchor="ctr"/>
-              <a:lstStyle/>
-              <a:p>
-                <a:pPr algn="ctr"/>
-                <a:r>
-                  <a:rPr lang="en-GB" sz="800" b="1" dirty="0" smtClean="0">
-                    <a:ln w="0"/>
-                    <a:solidFill>
-                      <a:schemeClr val="tx1"/>
-                    </a:solidFill>
-                    <a:effectLst>
-                      <a:outerShdw blurRad="38100" dist="19050" dir="2700000" algn="tl" rotWithShape="0">
-                        <a:schemeClr val="dk1">
-                          <a:alpha val="40000"/>
-                        </a:schemeClr>
-                      </a:outerShdw>
-                    </a:effectLst>
-                  </a:rPr>
-                  <a:t>Mitigate</a:t>
-                </a:r>
-                <a:endParaRPr lang="en-GB" sz="800" b="1" dirty="0">
+            </a:ln>
+          </p:spPr>
+          <p:style>
+            <a:lnRef idx="2">
+              <a:schemeClr val="accent1">
+                <a:shade val="50000"/>
+              </a:schemeClr>
+            </a:lnRef>
+            <a:fillRef idx="1">
+              <a:schemeClr val="accent1"/>
+            </a:fillRef>
+            <a:effectRef idx="0">
+              <a:schemeClr val="accent1"/>
+            </a:effectRef>
+            <a:fontRef idx="minor">
+              <a:schemeClr val="lt1"/>
+            </a:fontRef>
+          </p:style>
+          <p:txBody>
+            <a:bodyPr rtlCol="0" anchor="ctr"/>
+            <a:lstStyle/>
+            <a:p>
+              <a:pPr algn="ctr"/>
+              <a:r>
+                <a:rPr lang="en-GB" sz="800" b="1" dirty="0" smtClean="0">
                   <a:ln w="0"/>
                   <a:solidFill>
                     <a:schemeClr val="tx1"/>
@@ -11575,71 +11270,71 @@
                       </a:schemeClr>
                     </a:outerShdw>
                   </a:effectLst>
-                </a:endParaRPr>
-              </a:p>
-            </p:txBody>
-          </p:sp>
-          <p:sp>
-            <p:nvSpPr>
-              <p:cNvPr id="363" name="Rectangle 362"/>
-              <p:cNvSpPr/>
-              <p:nvPr/>
-            </p:nvSpPr>
-            <p:spPr>
-              <a:xfrm>
-                <a:off x="3317234" y="6209720"/>
-                <a:ext cx="639466" cy="108000"/>
-              </a:xfrm>
-              <a:prstGeom prst="rect">
-                <a:avLst/>
-              </a:prstGeom>
+                </a:rPr>
+                <a:t>Mitigate</a:t>
+              </a:r>
+              <a:endParaRPr lang="en-GB" sz="800" b="1" dirty="0">
+                <a:ln w="0"/>
+                <a:solidFill>
+                  <a:schemeClr val="tx1"/>
+                </a:solidFill>
+                <a:effectLst>
+                  <a:outerShdw blurRad="38100" dist="19050" dir="2700000" algn="tl" rotWithShape="0">
+                    <a:schemeClr val="dk1">
+                      <a:alpha val="40000"/>
+                    </a:schemeClr>
+                  </a:outerShdw>
+                </a:effectLst>
+              </a:endParaRPr>
+            </a:p>
+          </p:txBody>
+        </p:sp>
+        <p:sp>
+          <p:nvSpPr>
+            <p:cNvPr id="363" name="Rectangle 362"/>
+            <p:cNvSpPr/>
+            <p:nvPr/>
+          </p:nvSpPr>
+          <p:spPr>
+            <a:xfrm>
+              <a:off x="4995798" y="6397115"/>
+              <a:ext cx="639466" cy="108000"/>
+            </a:xfrm>
+            <a:prstGeom prst="rect">
+              <a:avLst/>
+            </a:prstGeom>
+            <a:solidFill>
+              <a:schemeClr val="bg1"/>
+            </a:solidFill>
+            <a:ln>
               <a:solidFill>
                 <a:schemeClr val="bg1"/>
               </a:solidFill>
-              <a:ln>
-                <a:solidFill>
-                  <a:schemeClr val="bg1"/>
-                </a:solidFill>
-              </a:ln>
-            </p:spPr>
-            <p:style>
-              <a:lnRef idx="2">
-                <a:schemeClr val="accent1">
-                  <a:shade val="50000"/>
-                </a:schemeClr>
-              </a:lnRef>
-              <a:fillRef idx="1">
-                <a:schemeClr val="accent1"/>
-              </a:fillRef>
-              <a:effectRef idx="0">
-                <a:schemeClr val="accent1"/>
-              </a:effectRef>
-              <a:fontRef idx="minor">
-                <a:schemeClr val="lt1"/>
-              </a:fontRef>
-            </p:style>
-            <p:txBody>
-              <a:bodyPr rtlCol="0" anchor="ctr"/>
-              <a:lstStyle/>
-              <a:p>
-                <a:pPr algn="ctr"/>
-                <a:r>
-                  <a:rPr lang="en-GB" sz="800" b="1" dirty="0" smtClean="0">
-                    <a:ln w="0"/>
-                    <a:solidFill>
-                      <a:schemeClr val="tx1"/>
-                    </a:solidFill>
-                    <a:effectLst>
-                      <a:outerShdw blurRad="38100" dist="19050" dir="2700000" algn="tl" rotWithShape="0">
-                        <a:schemeClr val="dk1">
-                          <a:alpha val="40000"/>
-                        </a:schemeClr>
-                      </a:outerShdw>
-                    </a:effectLst>
-                  </a:rPr>
-                  <a:t>Mitigate</a:t>
-                </a:r>
-                <a:endParaRPr lang="en-GB" sz="800" b="1" dirty="0">
+            </a:ln>
+          </p:spPr>
+          <p:style>
+            <a:lnRef idx="2">
+              <a:schemeClr val="accent1">
+                <a:shade val="50000"/>
+              </a:schemeClr>
+            </a:lnRef>
+            <a:fillRef idx="1">
+              <a:schemeClr val="accent1"/>
+            </a:fillRef>
+            <a:effectRef idx="0">
+              <a:schemeClr val="accent1"/>
+            </a:effectRef>
+            <a:fontRef idx="minor">
+              <a:schemeClr val="lt1"/>
+            </a:fontRef>
+          </p:style>
+          <p:txBody>
+            <a:bodyPr rtlCol="0" anchor="ctr"/>
+            <a:lstStyle/>
+            <a:p>
+              <a:pPr algn="ctr"/>
+              <a:r>
+                <a:rPr lang="en-GB" sz="800" b="1" dirty="0" smtClean="0">
                   <a:ln w="0"/>
                   <a:solidFill>
                     <a:schemeClr val="tx1"/>
@@ -11651,11 +11346,25 @@
                       </a:schemeClr>
                     </a:outerShdw>
                   </a:effectLst>
-                </a:endParaRPr>
-              </a:p>
-            </p:txBody>
-          </p:sp>
-        </p:grpSp>
+                </a:rPr>
+                <a:t>Mitigate</a:t>
+              </a:r>
+              <a:endParaRPr lang="en-GB" sz="800" b="1" dirty="0">
+                <a:ln w="0"/>
+                <a:solidFill>
+                  <a:schemeClr val="tx1"/>
+                </a:solidFill>
+                <a:effectLst>
+                  <a:outerShdw blurRad="38100" dist="19050" dir="2700000" algn="tl" rotWithShape="0">
+                    <a:schemeClr val="dk1">
+                      <a:alpha val="40000"/>
+                    </a:schemeClr>
+                  </a:outerShdw>
+                </a:effectLst>
+              </a:endParaRPr>
+            </a:p>
+          </p:txBody>
+        </p:sp>
         <p:sp>
           <p:nvSpPr>
             <p:cNvPr id="365" name="Oval 364"/>
@@ -11664,8 +11373,8 @@
           </p:nvSpPr>
           <p:spPr>
             <a:xfrm>
-              <a:off x="883713" y="2837662"/>
-              <a:ext cx="1101482" cy="382677"/>
+              <a:off x="1834574" y="3498017"/>
+              <a:ext cx="1101482" cy="309981"/>
             </a:xfrm>
             <a:prstGeom prst="ellipse">
               <a:avLst/>
@@ -11727,13 +11436,18 @@
           </p:nvSpPr>
           <p:spPr>
             <a:xfrm>
-              <a:off x="788255" y="3572490"/>
-              <a:ext cx="1272081" cy="362956"/>
+              <a:off x="1567553" y="2778018"/>
+              <a:ext cx="1542015" cy="453816"/>
             </a:xfrm>
             <a:prstGeom prst="ellipse">
               <a:avLst/>
             </a:prstGeom>
-            <a:noFill/>
+            <a:solidFill>
+              <a:schemeClr val="accent1">
+                <a:lumMod val="20000"/>
+                <a:lumOff val="80000"/>
+              </a:schemeClr>
+            </a:solidFill>
             <a:ln>
               <a:solidFill>
                 <a:schemeClr val="tx1"/>
@@ -11762,12 +11476,12 @@
             <a:p>
               <a:pPr algn="ctr"/>
               <a:r>
-                <a:rPr lang="en-GB" sz="900" b="1" dirty="0" smtClean="0">
+                <a:rPr lang="en-GB" sz="700" b="1" dirty="0" smtClean="0">
                   <a:solidFill>
                     <a:schemeClr val="tx1"/>
                   </a:solidFill>
                 </a:rPr>
-                <a:t>Strip unwanted characters</a:t>
+                <a:t>Validate one-time token Posted/associated with session</a:t>
               </a:r>
               <a:endParaRPr lang="en-GB" sz="900" b="1" dirty="0">
                 <a:solidFill>
@@ -11785,8 +11499,8 @@
           </p:nvGrpSpPr>
           <p:grpSpPr>
             <a:xfrm>
-              <a:off x="1164444" y="3233728"/>
-              <a:ext cx="563858" cy="324000"/>
+              <a:off x="2092896" y="3232492"/>
+              <a:ext cx="675241" cy="278410"/>
               <a:chOff x="610173" y="3432008"/>
               <a:chExt cx="639466" cy="324000"/>
             </a:xfrm>
@@ -11907,13 +11621,15 @@
         <p:cxnSp>
           <p:nvCxnSpPr>
             <p:cNvPr id="372" name="Straight Arrow Connector 371"/>
-            <p:cNvCxnSpPr/>
+            <p:cNvCxnSpPr>
+              <a:endCxn id="365" idx="2"/>
+            </p:cNvCxnSpPr>
             <p:nvPr/>
           </p:nvCxnSpPr>
           <p:spPr>
             <a:xfrm flipV="1">
-              <a:off x="355600" y="3136115"/>
-              <a:ext cx="579229" cy="1503618"/>
+              <a:off x="455545" y="3653008"/>
+              <a:ext cx="1379029" cy="906224"/>
             </a:xfrm>
             <a:prstGeom prst="straightConnector1">
               <a:avLst/>
@@ -11943,13 +11659,15 @@
         <p:cxnSp>
           <p:nvCxnSpPr>
             <p:cNvPr id="374" name="Straight Arrow Connector 373"/>
-            <p:cNvCxnSpPr/>
+            <p:cNvCxnSpPr>
+              <a:endCxn id="430" idx="2"/>
+            </p:cNvCxnSpPr>
             <p:nvPr/>
           </p:nvCxnSpPr>
           <p:spPr>
             <a:xfrm flipV="1">
-              <a:off x="390017" y="3950207"/>
-              <a:ext cx="683166" cy="844182"/>
+              <a:off x="448053" y="4234818"/>
+              <a:ext cx="1348791" cy="336231"/>
             </a:xfrm>
             <a:prstGeom prst="straightConnector1">
               <a:avLst/>
@@ -11986,8 +11704,8 @@
           </p:nvCxnSpPr>
           <p:spPr>
             <a:xfrm>
-              <a:off x="1985195" y="3029001"/>
-              <a:ext cx="3342628" cy="826398"/>
+              <a:off x="2936056" y="3653008"/>
+              <a:ext cx="2455322" cy="268404"/>
             </a:xfrm>
             <a:prstGeom prst="straightConnector1">
               <a:avLst/>
@@ -12017,13 +11735,16 @@
         <p:cxnSp>
           <p:nvCxnSpPr>
             <p:cNvPr id="387" name="Straight Arrow Connector 386"/>
-            <p:cNvCxnSpPr/>
+            <p:cNvCxnSpPr>
+              <a:stCxn id="430" idx="6"/>
+              <a:endCxn id="304" idx="2"/>
+            </p:cNvCxnSpPr>
             <p:nvPr/>
           </p:nvCxnSpPr>
           <p:spPr>
             <a:xfrm>
-              <a:off x="2052685" y="3739793"/>
-              <a:ext cx="3275138" cy="232815"/>
+              <a:off x="3068925" y="4234818"/>
+              <a:ext cx="2467133" cy="384047"/>
             </a:xfrm>
             <a:prstGeom prst="straightConnector1">
               <a:avLst/>
@@ -12058,7 +11779,7 @@
           </p:nvSpPr>
           <p:spPr>
             <a:xfrm>
-              <a:off x="3130110" y="3306210"/>
+              <a:off x="4114540" y="3297087"/>
               <a:ext cx="639466" cy="108000"/>
             </a:xfrm>
             <a:prstGeom prst="rect">
@@ -12134,7 +11855,7 @@
           </p:nvSpPr>
           <p:spPr>
             <a:xfrm>
-              <a:off x="3172428" y="3788880"/>
+              <a:off x="4140368" y="3753998"/>
               <a:ext cx="639466" cy="108000"/>
             </a:xfrm>
             <a:prstGeom prst="rect">
@@ -12210,8 +11931,8 @@
           </p:nvCxnSpPr>
           <p:spPr>
             <a:xfrm flipH="1" flipV="1">
-              <a:off x="5460562" y="3150472"/>
-              <a:ext cx="532683" cy="564148"/>
+              <a:off x="5289345" y="3157252"/>
+              <a:ext cx="345919" cy="696543"/>
             </a:xfrm>
             <a:prstGeom prst="straightConnector1">
               <a:avLst/>
@@ -12240,424 +11961,415 @@
         </p:cxnSp>
         <p:grpSp>
           <p:nvGrpSpPr>
-            <p:cNvPr id="424" name="Group 423"/>
+            <p:cNvPr id="225" name="Group 224"/>
             <p:cNvGrpSpPr/>
             <p:nvPr/>
           </p:nvGrpSpPr>
           <p:grpSpPr>
             <a:xfrm>
-              <a:off x="5719900" y="4079618"/>
-              <a:ext cx="3639959" cy="2457540"/>
-              <a:chOff x="5719900" y="4079618"/>
-              <a:chExt cx="3639959" cy="2457540"/>
+              <a:off x="8426886" y="4236007"/>
+              <a:ext cx="1614399" cy="1506548"/>
+              <a:chOff x="3584284" y="5425971"/>
+              <a:chExt cx="1080059" cy="1092651"/>
             </a:xfrm>
           </p:grpSpPr>
           <p:grpSp>
             <p:nvGrpSpPr>
-              <p:cNvPr id="225" name="Group 224"/>
+              <p:cNvPr id="51" name="Group 50"/>
               <p:cNvGrpSpPr/>
               <p:nvPr/>
             </p:nvGrpSpPr>
             <p:grpSpPr>
               <a:xfrm>
-                <a:off x="7864844" y="4236034"/>
-                <a:ext cx="1495015" cy="1884267"/>
-                <a:chOff x="3625220" y="5425971"/>
-                <a:chExt cx="1000189" cy="1366594"/>
+                <a:off x="3815454" y="5425971"/>
+                <a:ext cx="573815" cy="957340"/>
+                <a:chOff x="1305802" y="1333801"/>
+                <a:chExt cx="216706" cy="354337"/>
               </a:xfrm>
             </p:grpSpPr>
-            <p:grpSp>
-              <p:nvGrpSpPr>
-                <p:cNvPr id="51" name="Group 50"/>
-                <p:cNvGrpSpPr/>
-                <p:nvPr/>
-              </p:nvGrpSpPr>
-              <p:grpSpPr>
-                <a:xfrm>
-                  <a:off x="3815454" y="5425971"/>
-                  <a:ext cx="573815" cy="957340"/>
-                  <a:chOff x="1305802" y="1333801"/>
-                  <a:chExt cx="216706" cy="354337"/>
-                </a:xfrm>
-              </p:grpSpPr>
-              <p:sp>
-                <p:nvSpPr>
-                  <p:cNvPr id="52" name="Oval 51"/>
-                  <p:cNvSpPr/>
-                  <p:nvPr/>
-                </p:nvSpPr>
-                <p:spPr>
-                  <a:xfrm>
-                    <a:off x="1365416" y="1333801"/>
-                    <a:ext cx="106256" cy="51658"/>
-                  </a:xfrm>
-                  <a:prstGeom prst="ellipse">
-                    <a:avLst/>
-                  </a:prstGeom>
-                  <a:solidFill>
-                    <a:schemeClr val="tx1"/>
-                  </a:solidFill>
-                  <a:ln>
-                    <a:solidFill>
-                      <a:schemeClr val="tx1"/>
-                    </a:solidFill>
-                  </a:ln>
-                </p:spPr>
-                <p:style>
-                  <a:lnRef idx="2">
-                    <a:schemeClr val="accent1">
-                      <a:shade val="50000"/>
-                    </a:schemeClr>
-                  </a:lnRef>
-                  <a:fillRef idx="1">
-                    <a:schemeClr val="accent1"/>
-                  </a:fillRef>
-                  <a:effectRef idx="0">
-                    <a:schemeClr val="accent1"/>
-                  </a:effectRef>
-                  <a:fontRef idx="minor">
-                    <a:schemeClr val="lt1"/>
-                  </a:fontRef>
-                </p:style>
-                <p:txBody>
-                  <a:bodyPr rtlCol="0" anchor="ctr"/>
-                  <a:lstStyle/>
-                  <a:p>
-                    <a:pPr algn="ctr"/>
-                    <a:endParaRPr lang="en-GB" b="1">
-                      <a:ln>
-                        <a:solidFill>
-                          <a:schemeClr val="tx1"/>
-                        </a:solidFill>
-                      </a:ln>
-                      <a:solidFill>
-                        <a:schemeClr val="tx1"/>
-                      </a:solidFill>
-                    </a:endParaRPr>
-                  </a:p>
-                </p:txBody>
-              </p:sp>
-              <p:cxnSp>
-                <p:nvCxnSpPr>
-                  <p:cNvPr id="53" name="Straight Connector 52"/>
-                  <p:cNvCxnSpPr/>
-                  <p:nvPr/>
-                </p:nvCxnSpPr>
-                <p:spPr>
-                  <a:xfrm>
-                    <a:off x="1414650" y="1387732"/>
-                    <a:ext cx="0" cy="180000"/>
-                  </a:xfrm>
-                  <a:prstGeom prst="line">
-                    <a:avLst/>
-                  </a:prstGeom>
-                  <a:ln>
-                    <a:solidFill>
-                      <a:schemeClr val="tx1"/>
-                    </a:solidFill>
-                  </a:ln>
-                </p:spPr>
-                <p:style>
-                  <a:lnRef idx="1">
-                    <a:schemeClr val="accent1"/>
-                  </a:lnRef>
-                  <a:fillRef idx="0">
-                    <a:schemeClr val="accent1"/>
-                  </a:fillRef>
-                  <a:effectRef idx="0">
-                    <a:schemeClr val="accent1"/>
-                  </a:effectRef>
-                  <a:fontRef idx="minor">
-                    <a:schemeClr val="tx1"/>
-                  </a:fontRef>
-                </p:style>
-              </p:cxnSp>
-              <p:cxnSp>
-                <p:nvCxnSpPr>
-                  <p:cNvPr id="54" name="Straight Connector 53"/>
-                  <p:cNvCxnSpPr/>
-                  <p:nvPr/>
-                </p:nvCxnSpPr>
-                <p:spPr>
-                  <a:xfrm flipV="1">
-                    <a:off x="1313884" y="1442170"/>
-                    <a:ext cx="191682" cy="0"/>
-                  </a:xfrm>
-                  <a:prstGeom prst="line">
-                    <a:avLst/>
-                  </a:prstGeom>
-                  <a:ln>
-                    <a:solidFill>
-                      <a:schemeClr val="tx1"/>
-                    </a:solidFill>
-                  </a:ln>
-                </p:spPr>
-                <p:style>
-                  <a:lnRef idx="1">
-                    <a:schemeClr val="accent1"/>
-                  </a:lnRef>
-                  <a:fillRef idx="0">
-                    <a:schemeClr val="accent1"/>
-                  </a:fillRef>
-                  <a:effectRef idx="0">
-                    <a:schemeClr val="accent1"/>
-                  </a:effectRef>
-                  <a:fontRef idx="minor">
-                    <a:schemeClr val="tx1"/>
-                  </a:fontRef>
-                </p:style>
-              </p:cxnSp>
-              <p:cxnSp>
-                <p:nvCxnSpPr>
-                  <p:cNvPr id="55" name="Straight Connector 54"/>
-                  <p:cNvCxnSpPr/>
-                  <p:nvPr/>
-                </p:nvCxnSpPr>
-                <p:spPr>
-                  <a:xfrm>
-                    <a:off x="1414509" y="1562471"/>
-                    <a:ext cx="107999" cy="124286"/>
-                  </a:xfrm>
-                  <a:prstGeom prst="line">
-                    <a:avLst/>
-                  </a:prstGeom>
-                  <a:ln>
-                    <a:solidFill>
-                      <a:schemeClr val="tx1"/>
-                    </a:solidFill>
-                  </a:ln>
-                </p:spPr>
-                <p:style>
-                  <a:lnRef idx="1">
-                    <a:schemeClr val="accent1"/>
-                  </a:lnRef>
-                  <a:fillRef idx="0">
-                    <a:schemeClr val="accent1"/>
-                  </a:fillRef>
-                  <a:effectRef idx="0">
-                    <a:schemeClr val="accent1"/>
-                  </a:effectRef>
-                  <a:fontRef idx="minor">
-                    <a:schemeClr val="tx1"/>
-                  </a:fontRef>
-                </p:style>
-              </p:cxnSp>
-              <p:cxnSp>
-                <p:nvCxnSpPr>
-                  <p:cNvPr id="56" name="Straight Connector 55"/>
-                  <p:cNvCxnSpPr/>
-                  <p:nvPr/>
-                </p:nvCxnSpPr>
-                <p:spPr>
-                  <a:xfrm flipH="1">
-                    <a:off x="1305802" y="1561502"/>
-                    <a:ext cx="108000" cy="126636"/>
-                  </a:xfrm>
-                  <a:prstGeom prst="line">
-                    <a:avLst/>
-                  </a:prstGeom>
-                  <a:ln>
-                    <a:solidFill>
-                      <a:schemeClr val="tx1"/>
-                    </a:solidFill>
-                  </a:ln>
-                </p:spPr>
-                <p:style>
-                  <a:lnRef idx="1">
-                    <a:schemeClr val="accent1"/>
-                  </a:lnRef>
-                  <a:fillRef idx="0">
-                    <a:schemeClr val="accent1"/>
-                  </a:fillRef>
-                  <a:effectRef idx="0">
-                    <a:schemeClr val="accent1"/>
-                  </a:effectRef>
-                  <a:fontRef idx="minor">
-                    <a:schemeClr val="tx1"/>
-                  </a:fontRef>
-                </p:style>
-              </p:cxnSp>
-            </p:grpSp>
             <p:sp>
               <p:nvSpPr>
-                <p:cNvPr id="57" name="TextBox 56"/>
-                <p:cNvSpPr txBox="1"/>
+                <p:cNvPr id="52" name="Oval 51"/>
+                <p:cNvSpPr/>
                 <p:nvPr/>
               </p:nvSpPr>
               <p:spPr>
                 <a:xfrm>
-                  <a:off x="3625220" y="6491219"/>
-                  <a:ext cx="1000189" cy="301346"/>
+                  <a:off x="1365416" y="1333801"/>
+                  <a:ext cx="106256" cy="51658"/>
                 </a:xfrm>
-                <a:prstGeom prst="rect">
+                <a:prstGeom prst="ellipse">
                   <a:avLst/>
                 </a:prstGeom>
-                <a:noFill/>
+                <a:solidFill>
+                  <a:schemeClr val="tx1"/>
+                </a:solidFill>
                 <a:ln>
-                  <a:noFill/>
+                  <a:solidFill>
+                    <a:schemeClr val="tx1"/>
+                  </a:solidFill>
                 </a:ln>
               </p:spPr>
+              <p:style>
+                <a:lnRef idx="2">
+                  <a:schemeClr val="accent1">
+                    <a:shade val="50000"/>
+                  </a:schemeClr>
+                </a:lnRef>
+                <a:fillRef idx="1">
+                  <a:schemeClr val="accent1"/>
+                </a:fillRef>
+                <a:effectRef idx="0">
+                  <a:schemeClr val="accent1"/>
+                </a:effectRef>
+                <a:fontRef idx="minor">
+                  <a:schemeClr val="lt1"/>
+                </a:fontRef>
+              </p:style>
               <p:txBody>
-                <a:bodyPr wrap="square" rtlCol="0">
-                  <a:spAutoFit/>
-                </a:bodyPr>
+                <a:bodyPr rtlCol="0" anchor="ctr"/>
                 <a:lstStyle/>
                 <a:p>
                   <a:pPr algn="ctr"/>
-                  <a:r>
-                    <a:rPr lang="en-GB" sz="1050" b="1" dirty="0" smtClean="0"/>
-                    <a:t>Hacker / Malicious User</a:t>
-                  </a:r>
-                  <a:endParaRPr lang="en-GB" sz="1050" b="1" dirty="0"/>
+                  <a:endParaRPr lang="en-GB" b="1">
+                    <a:ln>
+                      <a:solidFill>
+                        <a:schemeClr val="tx1"/>
+                      </a:solidFill>
+                    </a:ln>
+                    <a:solidFill>
+                      <a:schemeClr val="tx1"/>
+                    </a:solidFill>
+                  </a:endParaRPr>
                 </a:p>
               </p:txBody>
             </p:sp>
+            <p:cxnSp>
+              <p:nvCxnSpPr>
+                <p:cNvPr id="53" name="Straight Connector 52"/>
+                <p:cNvCxnSpPr/>
+                <p:nvPr/>
+              </p:nvCxnSpPr>
+              <p:spPr>
+                <a:xfrm>
+                  <a:off x="1414650" y="1387732"/>
+                  <a:ext cx="0" cy="180000"/>
+                </a:xfrm>
+                <a:prstGeom prst="line">
+                  <a:avLst/>
+                </a:prstGeom>
+                <a:ln>
+                  <a:solidFill>
+                    <a:schemeClr val="tx1"/>
+                  </a:solidFill>
+                </a:ln>
+              </p:spPr>
+              <p:style>
+                <a:lnRef idx="1">
+                  <a:schemeClr val="accent1"/>
+                </a:lnRef>
+                <a:fillRef idx="0">
+                  <a:schemeClr val="accent1"/>
+                </a:fillRef>
+                <a:effectRef idx="0">
+                  <a:schemeClr val="accent1"/>
+                </a:effectRef>
+                <a:fontRef idx="minor">
+                  <a:schemeClr val="tx1"/>
+                </a:fontRef>
+              </p:style>
+            </p:cxnSp>
+            <p:cxnSp>
+              <p:nvCxnSpPr>
+                <p:cNvPr id="54" name="Straight Connector 53"/>
+                <p:cNvCxnSpPr/>
+                <p:nvPr/>
+              </p:nvCxnSpPr>
+              <p:spPr>
+                <a:xfrm flipV="1">
+                  <a:off x="1313884" y="1442170"/>
+                  <a:ext cx="191682" cy="0"/>
+                </a:xfrm>
+                <a:prstGeom prst="line">
+                  <a:avLst/>
+                </a:prstGeom>
+                <a:ln>
+                  <a:solidFill>
+                    <a:schemeClr val="tx1"/>
+                  </a:solidFill>
+                </a:ln>
+              </p:spPr>
+              <p:style>
+                <a:lnRef idx="1">
+                  <a:schemeClr val="accent1"/>
+                </a:lnRef>
+                <a:fillRef idx="0">
+                  <a:schemeClr val="accent1"/>
+                </a:fillRef>
+                <a:effectRef idx="0">
+                  <a:schemeClr val="accent1"/>
+                </a:effectRef>
+                <a:fontRef idx="minor">
+                  <a:schemeClr val="tx1"/>
+                </a:fontRef>
+              </p:style>
+            </p:cxnSp>
+            <p:cxnSp>
+              <p:nvCxnSpPr>
+                <p:cNvPr id="55" name="Straight Connector 54"/>
+                <p:cNvCxnSpPr/>
+                <p:nvPr/>
+              </p:nvCxnSpPr>
+              <p:spPr>
+                <a:xfrm>
+                  <a:off x="1414509" y="1562471"/>
+                  <a:ext cx="107999" cy="124286"/>
+                </a:xfrm>
+                <a:prstGeom prst="line">
+                  <a:avLst/>
+                </a:prstGeom>
+                <a:ln>
+                  <a:solidFill>
+                    <a:schemeClr val="tx1"/>
+                  </a:solidFill>
+                </a:ln>
+              </p:spPr>
+              <p:style>
+                <a:lnRef idx="1">
+                  <a:schemeClr val="accent1"/>
+                </a:lnRef>
+                <a:fillRef idx="0">
+                  <a:schemeClr val="accent1"/>
+                </a:fillRef>
+                <a:effectRef idx="0">
+                  <a:schemeClr val="accent1"/>
+                </a:effectRef>
+                <a:fontRef idx="minor">
+                  <a:schemeClr val="tx1"/>
+                </a:fontRef>
+              </p:style>
+            </p:cxnSp>
+            <p:cxnSp>
+              <p:nvCxnSpPr>
+                <p:cNvPr id="56" name="Straight Connector 55"/>
+                <p:cNvCxnSpPr/>
+                <p:nvPr/>
+              </p:nvCxnSpPr>
+              <p:spPr>
+                <a:xfrm flipH="1">
+                  <a:off x="1305802" y="1561502"/>
+                  <a:ext cx="108000" cy="126636"/>
+                </a:xfrm>
+                <a:prstGeom prst="line">
+                  <a:avLst/>
+                </a:prstGeom>
+                <a:ln>
+                  <a:solidFill>
+                    <a:schemeClr val="tx1"/>
+                  </a:solidFill>
+                </a:ln>
+              </p:spPr>
+              <p:style>
+                <a:lnRef idx="1">
+                  <a:schemeClr val="accent1"/>
+                </a:lnRef>
+                <a:fillRef idx="0">
+                  <a:schemeClr val="accent1"/>
+                </a:fillRef>
+                <a:effectRef idx="0">
+                  <a:schemeClr val="accent1"/>
+                </a:effectRef>
+                <a:fontRef idx="minor">
+                  <a:schemeClr val="tx1"/>
+                </a:fontRef>
+              </p:style>
+            </p:cxnSp>
           </p:grpSp>
-          <p:cxnSp>
-            <p:nvCxnSpPr>
-              <p:cNvPr id="403" name="Straight Arrow Connector 402"/>
-              <p:cNvCxnSpPr/>
+          <p:sp>
+            <p:nvSpPr>
+              <p:cNvPr id="57" name="TextBox 56"/>
+              <p:cNvSpPr txBox="1"/>
               <p:nvPr/>
-            </p:nvCxnSpPr>
+            </p:nvSpPr>
             <p:spPr>
-              <a:xfrm flipH="1">
-                <a:off x="5761677" y="5017084"/>
-                <a:ext cx="2745343" cy="1520074"/>
+              <a:xfrm>
+                <a:off x="3584284" y="6334465"/>
+                <a:ext cx="1080059" cy="184157"/>
               </a:xfrm>
-              <a:prstGeom prst="straightConnector1">
+              <a:prstGeom prst="rect">
                 <a:avLst/>
               </a:prstGeom>
+              <a:noFill/>
               <a:ln>
-                <a:solidFill>
-                  <a:schemeClr val="tx1"/>
-                </a:solidFill>
-                <a:tailEnd type="triangle"/>
+                <a:noFill/>
               </a:ln>
             </p:spPr>
-            <p:style>
-              <a:lnRef idx="1">
-                <a:schemeClr val="accent1"/>
-              </a:lnRef>
-              <a:fillRef idx="0">
-                <a:schemeClr val="accent1"/>
-              </a:fillRef>
-              <a:effectRef idx="0">
-                <a:schemeClr val="accent1"/>
-              </a:effectRef>
-              <a:fontRef idx="minor">
+            <p:txBody>
+              <a:bodyPr wrap="square" rtlCol="0">
+                <a:spAutoFit/>
+              </a:bodyPr>
+              <a:lstStyle/>
+              <a:p>
+                <a:pPr algn="ctr"/>
+                <a:r>
+                  <a:rPr lang="en-GB" sz="1050" b="1" dirty="0" smtClean="0"/>
+                  <a:t>Hacker / Malicious User</a:t>
+                </a:r>
+                <a:endParaRPr lang="en-GB" sz="1050" b="1" dirty="0"/>
+              </a:p>
+            </p:txBody>
+          </p:sp>
+        </p:grpSp>
+        <p:cxnSp>
+          <p:nvCxnSpPr>
+            <p:cNvPr id="403" name="Straight Arrow Connector 402"/>
+            <p:cNvCxnSpPr>
+              <a:endCxn id="303" idx="6"/>
+            </p:cNvCxnSpPr>
+            <p:nvPr/>
+          </p:nvCxnSpPr>
+          <p:spPr>
+            <a:xfrm flipH="1">
+              <a:off x="7152655" y="5048582"/>
+              <a:ext cx="1951784" cy="1606241"/>
+            </a:xfrm>
+            <a:prstGeom prst="straightConnector1">
+              <a:avLst/>
+            </a:prstGeom>
+            <a:ln>
+              <a:solidFill>
                 <a:schemeClr val="tx1"/>
-              </a:fontRef>
-            </p:style>
-          </p:cxnSp>
-          <p:cxnSp>
-            <p:nvCxnSpPr>
-              <p:cNvPr id="406" name="Straight Arrow Connector 405"/>
-              <p:cNvCxnSpPr/>
-              <p:nvPr/>
-            </p:nvCxnSpPr>
-            <p:spPr>
-              <a:xfrm flipH="1">
-                <a:off x="5719900" y="4962336"/>
-                <a:ext cx="2750671" cy="934696"/>
-              </a:xfrm>
-              <a:prstGeom prst="straightConnector1">
-                <a:avLst/>
-              </a:prstGeom>
-              <a:ln>
-                <a:solidFill>
-                  <a:schemeClr val="tx1"/>
-                </a:solidFill>
-                <a:tailEnd type="triangle"/>
-              </a:ln>
-            </p:spPr>
-            <p:style>
-              <a:lnRef idx="1">
-                <a:schemeClr val="accent1"/>
-              </a:lnRef>
-              <a:fillRef idx="0">
-                <a:schemeClr val="accent1"/>
-              </a:fillRef>
-              <a:effectRef idx="0">
-                <a:schemeClr val="accent1"/>
-              </a:effectRef>
-              <a:fontRef idx="minor">
+              </a:solidFill>
+              <a:tailEnd type="triangle"/>
+            </a:ln>
+          </p:spPr>
+          <p:style>
+            <a:lnRef idx="1">
+              <a:schemeClr val="accent1"/>
+            </a:lnRef>
+            <a:fillRef idx="0">
+              <a:schemeClr val="accent1"/>
+            </a:fillRef>
+            <a:effectRef idx="0">
+              <a:schemeClr val="accent1"/>
+            </a:effectRef>
+            <a:fontRef idx="minor">
+              <a:schemeClr val="tx1"/>
+            </a:fontRef>
+          </p:style>
+        </p:cxnSp>
+        <p:cxnSp>
+          <p:nvCxnSpPr>
+            <p:cNvPr id="406" name="Straight Arrow Connector 405"/>
+            <p:cNvCxnSpPr/>
+            <p:nvPr/>
+          </p:nvCxnSpPr>
+          <p:spPr>
+            <a:xfrm flipH="1">
+              <a:off x="7132108" y="5048582"/>
+              <a:ext cx="1972331" cy="894901"/>
+            </a:xfrm>
+            <a:prstGeom prst="straightConnector1">
+              <a:avLst/>
+            </a:prstGeom>
+            <a:ln>
+              <a:solidFill>
                 <a:schemeClr val="tx1"/>
-              </a:fontRef>
-            </p:style>
-          </p:cxnSp>
-          <p:cxnSp>
-            <p:nvCxnSpPr>
-              <p:cNvPr id="420" name="Straight Arrow Connector 419"/>
-              <p:cNvCxnSpPr/>
-              <p:nvPr/>
-            </p:nvCxnSpPr>
-            <p:spPr>
-              <a:xfrm flipH="1">
-                <a:off x="5761677" y="4918355"/>
-                <a:ext cx="2708894" cy="216211"/>
-              </a:xfrm>
-              <a:prstGeom prst="straightConnector1">
-                <a:avLst/>
-              </a:prstGeom>
-              <a:ln>
-                <a:solidFill>
-                  <a:schemeClr val="tx1"/>
-                </a:solidFill>
-                <a:tailEnd type="triangle"/>
-              </a:ln>
-            </p:spPr>
-            <p:style>
-              <a:lnRef idx="1">
-                <a:schemeClr val="accent1"/>
-              </a:lnRef>
-              <a:fillRef idx="0">
-                <a:schemeClr val="accent1"/>
-              </a:fillRef>
-              <a:effectRef idx="0">
-                <a:schemeClr val="accent1"/>
-              </a:effectRef>
-              <a:fontRef idx="minor">
+              </a:solidFill>
+              <a:tailEnd type="triangle"/>
+            </a:ln>
+          </p:spPr>
+          <p:style>
+            <a:lnRef idx="1">
+              <a:schemeClr val="accent1"/>
+            </a:lnRef>
+            <a:fillRef idx="0">
+              <a:schemeClr val="accent1"/>
+            </a:fillRef>
+            <a:effectRef idx="0">
+              <a:schemeClr val="accent1"/>
+            </a:effectRef>
+            <a:fontRef idx="minor">
+              <a:schemeClr val="tx1"/>
+            </a:fontRef>
+          </p:style>
+        </p:cxnSp>
+        <p:cxnSp>
+          <p:nvCxnSpPr>
+            <p:cNvPr id="420" name="Straight Arrow Connector 419"/>
+            <p:cNvCxnSpPr>
+              <a:endCxn id="291" idx="6"/>
+            </p:cNvCxnSpPr>
+            <p:nvPr/>
+          </p:nvCxnSpPr>
+          <p:spPr>
+            <a:xfrm flipH="1">
+              <a:off x="7153146" y="5024320"/>
+              <a:ext cx="1915505" cy="253268"/>
+            </a:xfrm>
+            <a:prstGeom prst="straightConnector1">
+              <a:avLst/>
+            </a:prstGeom>
+            <a:ln>
+              <a:solidFill>
                 <a:schemeClr val="tx1"/>
-              </a:fontRef>
-            </p:style>
-          </p:cxnSp>
-          <p:cxnSp>
-            <p:nvCxnSpPr>
-              <p:cNvPr id="421" name="Straight Arrow Connector 420"/>
-              <p:cNvCxnSpPr/>
-              <p:nvPr/>
-            </p:nvCxnSpPr>
-            <p:spPr>
-              <a:xfrm flipH="1" flipV="1">
-                <a:off x="6623330" y="4079618"/>
-                <a:ext cx="1806915" cy="771284"/>
-              </a:xfrm>
-              <a:prstGeom prst="straightConnector1">
-                <a:avLst/>
-              </a:prstGeom>
-              <a:ln>
-                <a:solidFill>
-                  <a:schemeClr val="tx1"/>
-                </a:solidFill>
-                <a:tailEnd type="triangle"/>
-              </a:ln>
-            </p:spPr>
-            <p:style>
-              <a:lnRef idx="1">
-                <a:schemeClr val="accent1"/>
-              </a:lnRef>
-              <a:fillRef idx="0">
-                <a:schemeClr val="accent1"/>
-              </a:fillRef>
-              <a:effectRef idx="0">
-                <a:schemeClr val="accent1"/>
-              </a:effectRef>
-              <a:fontRef idx="minor">
+              </a:solidFill>
+              <a:tailEnd type="triangle"/>
+            </a:ln>
+          </p:spPr>
+          <p:style>
+            <a:lnRef idx="1">
+              <a:schemeClr val="accent1"/>
+            </a:lnRef>
+            <a:fillRef idx="0">
+              <a:schemeClr val="accent1"/>
+            </a:fillRef>
+            <a:effectRef idx="0">
+              <a:schemeClr val="accent1"/>
+            </a:effectRef>
+            <a:fontRef idx="minor">
+              <a:schemeClr val="tx1"/>
+            </a:fontRef>
+          </p:style>
+        </p:cxnSp>
+        <p:cxnSp>
+          <p:nvCxnSpPr>
+            <p:cNvPr id="421" name="Straight Arrow Connector 420"/>
+            <p:cNvCxnSpPr>
+              <a:endCxn id="262" idx="5"/>
+            </p:cNvCxnSpPr>
+            <p:nvPr/>
+          </p:nvCxnSpPr>
+          <p:spPr>
+            <a:xfrm flipH="1" flipV="1">
+              <a:off x="7341999" y="3693688"/>
+              <a:ext cx="1711478" cy="1157215"/>
+            </a:xfrm>
+            <a:prstGeom prst="straightConnector1">
+              <a:avLst/>
+            </a:prstGeom>
+            <a:ln>
+              <a:solidFill>
                 <a:schemeClr val="tx1"/>
-              </a:fontRef>
-            </p:style>
-          </p:cxnSp>
-        </p:grpSp>
+              </a:solidFill>
+              <a:tailEnd type="triangle"/>
+            </a:ln>
+          </p:spPr>
+          <p:style>
+            <a:lnRef idx="1">
+              <a:schemeClr val="accent1"/>
+            </a:lnRef>
+            <a:fillRef idx="0">
+              <a:schemeClr val="accent1"/>
+            </a:fillRef>
+            <a:effectRef idx="0">
+              <a:schemeClr val="accent1"/>
+            </a:effectRef>
+            <a:fontRef idx="minor">
+              <a:schemeClr val="tx1"/>
+            </a:fontRef>
+          </p:style>
+        </p:cxnSp>
         <p:sp>
           <p:nvSpPr>
             <p:cNvPr id="430" name="Oval 429"/>
@@ -12666,8 +12378,8 @@
           </p:nvSpPr>
           <p:spPr>
             <a:xfrm>
-              <a:off x="786374" y="3572492"/>
-              <a:ext cx="1272081" cy="362956"/>
+              <a:off x="1796844" y="4087671"/>
+              <a:ext cx="1272081" cy="294293"/>
             </a:xfrm>
             <a:prstGeom prst="ellipse">
               <a:avLst/>
@@ -12717,6 +12429,851 @@
                 <a:solidFill>
                   <a:schemeClr val="tx1"/>
                 </a:solidFill>
+              </a:endParaRPr>
+            </a:p>
+          </p:txBody>
+        </p:sp>
+        <p:sp>
+          <p:nvSpPr>
+            <p:cNvPr id="262" name="Oval 261"/>
+            <p:cNvSpPr/>
+            <p:nvPr/>
+          </p:nvSpPr>
+          <p:spPr>
+            <a:xfrm>
+              <a:off x="6112882" y="3386409"/>
+              <a:ext cx="1440000" cy="360000"/>
+            </a:xfrm>
+            <a:prstGeom prst="ellipse">
+              <a:avLst/>
+            </a:prstGeom>
+            <a:solidFill>
+              <a:schemeClr val="tx1"/>
+            </a:solidFill>
+            <a:ln>
+              <a:solidFill>
+                <a:schemeClr val="tx1"/>
+              </a:solidFill>
+            </a:ln>
+          </p:spPr>
+          <p:style>
+            <a:lnRef idx="2">
+              <a:schemeClr val="accent1">
+                <a:shade val="50000"/>
+              </a:schemeClr>
+            </a:lnRef>
+            <a:fillRef idx="1">
+              <a:schemeClr val="accent1"/>
+            </a:fillRef>
+            <a:effectRef idx="0">
+              <a:schemeClr val="accent1"/>
+            </a:effectRef>
+            <a:fontRef idx="minor">
+              <a:schemeClr val="lt1"/>
+            </a:fontRef>
+          </p:style>
+          <p:txBody>
+            <a:bodyPr rtlCol="0" anchor="ctr"/>
+            <a:lstStyle/>
+            <a:p>
+              <a:pPr algn="ctr"/>
+              <a:r>
+                <a:rPr lang="en-GB" sz="900" b="1" dirty="0" smtClean="0">
+                  <a:solidFill>
+                    <a:schemeClr val="bg1"/>
+                  </a:solidFill>
+                </a:rPr>
+                <a:t>CSRF</a:t>
+              </a:r>
+              <a:endParaRPr lang="en-GB" sz="900" b="1" dirty="0">
+                <a:solidFill>
+                  <a:schemeClr val="bg1"/>
+                </a:solidFill>
+              </a:endParaRPr>
+            </a:p>
+          </p:txBody>
+        </p:sp>
+        <p:cxnSp>
+          <p:nvCxnSpPr>
+            <p:cNvPr id="266" name="Straight Arrow Connector 265"/>
+            <p:cNvCxnSpPr>
+              <a:endCxn id="304" idx="6"/>
+            </p:cNvCxnSpPr>
+            <p:nvPr/>
+          </p:nvCxnSpPr>
+          <p:spPr>
+            <a:xfrm flipH="1" flipV="1">
+              <a:off x="6976058" y="4618865"/>
+              <a:ext cx="2091031" cy="297689"/>
+            </a:xfrm>
+            <a:prstGeom prst="straightConnector1">
+              <a:avLst/>
+            </a:prstGeom>
+            <a:ln>
+              <a:solidFill>
+                <a:schemeClr val="tx1"/>
+              </a:solidFill>
+              <a:tailEnd type="triangle"/>
+            </a:ln>
+          </p:spPr>
+          <p:style>
+            <a:lnRef idx="1">
+              <a:schemeClr val="accent1"/>
+            </a:lnRef>
+            <a:fillRef idx="0">
+              <a:schemeClr val="accent1"/>
+            </a:fillRef>
+            <a:effectRef idx="0">
+              <a:schemeClr val="accent1"/>
+            </a:effectRef>
+            <a:fontRef idx="minor">
+              <a:schemeClr val="tx1"/>
+            </a:fontRef>
+          </p:style>
+        </p:cxnSp>
+        <p:grpSp>
+          <p:nvGrpSpPr>
+            <p:cNvPr id="274" name="Group 273"/>
+            <p:cNvGrpSpPr/>
+            <p:nvPr/>
+          </p:nvGrpSpPr>
+          <p:grpSpPr>
+            <a:xfrm>
+              <a:off x="2139150" y="3797444"/>
+              <a:ext cx="563858" cy="278410"/>
+              <a:chOff x="610173" y="3432008"/>
+              <a:chExt cx="639466" cy="324000"/>
+            </a:xfrm>
+          </p:grpSpPr>
+          <p:cxnSp>
+            <p:nvCxnSpPr>
+              <p:cNvPr id="276" name="Straight Arrow Connector 275"/>
+              <p:cNvCxnSpPr/>
+              <p:nvPr/>
+            </p:nvCxnSpPr>
+            <p:spPr>
+              <a:xfrm flipH="1">
+                <a:off x="911297" y="3432008"/>
+                <a:ext cx="6675" cy="324000"/>
+              </a:xfrm>
+              <a:prstGeom prst="straightConnector1">
+                <a:avLst/>
+              </a:prstGeom>
+              <a:ln>
+                <a:solidFill>
+                  <a:schemeClr val="tx1"/>
+                </a:solidFill>
+                <a:tailEnd type="triangle"/>
+              </a:ln>
+            </p:spPr>
+            <p:style>
+              <a:lnRef idx="1">
+                <a:schemeClr val="accent1"/>
+              </a:lnRef>
+              <a:fillRef idx="0">
+                <a:schemeClr val="accent1"/>
+              </a:fillRef>
+              <a:effectRef idx="0">
+                <a:schemeClr val="accent1"/>
+              </a:effectRef>
+              <a:fontRef idx="minor">
+                <a:schemeClr val="tx1"/>
+              </a:fontRef>
+            </p:style>
+          </p:cxnSp>
+          <p:sp>
+            <p:nvSpPr>
+              <p:cNvPr id="278" name="Rectangle 277"/>
+              <p:cNvSpPr/>
+              <p:nvPr/>
+            </p:nvSpPr>
+            <p:spPr>
+              <a:xfrm>
+                <a:off x="610173" y="3502760"/>
+                <a:ext cx="639466" cy="108000"/>
+              </a:xfrm>
+              <a:prstGeom prst="rect">
+                <a:avLst/>
+              </a:prstGeom>
+              <a:solidFill>
+                <a:schemeClr val="bg1"/>
+              </a:solidFill>
+              <a:ln>
+                <a:solidFill>
+                  <a:schemeClr val="bg1"/>
+                </a:solidFill>
+              </a:ln>
+            </p:spPr>
+            <p:style>
+              <a:lnRef idx="2">
+                <a:schemeClr val="accent1">
+                  <a:shade val="50000"/>
+                </a:schemeClr>
+              </a:lnRef>
+              <a:fillRef idx="1">
+                <a:schemeClr val="accent1"/>
+              </a:fillRef>
+              <a:effectRef idx="0">
+                <a:schemeClr val="accent1"/>
+              </a:effectRef>
+              <a:fontRef idx="minor">
+                <a:schemeClr val="lt1"/>
+              </a:fontRef>
+            </p:style>
+            <p:txBody>
+              <a:bodyPr rtlCol="0" anchor="ctr"/>
+              <a:lstStyle/>
+              <a:p>
+                <a:pPr algn="ctr"/>
+                <a:r>
+                  <a:rPr lang="en-GB" sz="800" b="1" dirty="0" smtClean="0">
+                    <a:ln w="0"/>
+                    <a:solidFill>
+                      <a:schemeClr val="tx1"/>
+                    </a:solidFill>
+                    <a:effectLst>
+                      <a:outerShdw blurRad="38100" dist="19050" dir="2700000" algn="tl" rotWithShape="0">
+                        <a:schemeClr val="dk1">
+                          <a:alpha val="40000"/>
+                        </a:schemeClr>
+                      </a:outerShdw>
+                    </a:effectLst>
+                  </a:rPr>
+                  <a:t>Include</a:t>
+                </a:r>
+                <a:endParaRPr lang="en-GB" sz="800" b="1" dirty="0">
+                  <a:ln w="0"/>
+                  <a:solidFill>
+                    <a:schemeClr val="tx1"/>
+                  </a:solidFill>
+                  <a:effectLst>
+                    <a:outerShdw blurRad="38100" dist="19050" dir="2700000" algn="tl" rotWithShape="0">
+                      <a:schemeClr val="dk1">
+                        <a:alpha val="40000"/>
+                      </a:schemeClr>
+                    </a:outerShdw>
+                  </a:effectLst>
+                </a:endParaRPr>
+              </a:p>
+            </p:txBody>
+          </p:sp>
+        </p:grpSp>
+        <p:cxnSp>
+          <p:nvCxnSpPr>
+            <p:cNvPr id="289" name="Straight Arrow Connector 288"/>
+            <p:cNvCxnSpPr>
+              <a:endCxn id="426" idx="2"/>
+            </p:cNvCxnSpPr>
+            <p:nvPr/>
+          </p:nvCxnSpPr>
+          <p:spPr>
+            <a:xfrm>
+              <a:off x="396310" y="4786537"/>
+              <a:ext cx="2539746" cy="1899885"/>
+            </a:xfrm>
+            <a:prstGeom prst="straightConnector1">
+              <a:avLst/>
+            </a:prstGeom>
+            <a:ln>
+              <a:solidFill>
+                <a:schemeClr val="tx1"/>
+              </a:solidFill>
+              <a:tailEnd type="triangle"/>
+            </a:ln>
+          </p:spPr>
+          <p:style>
+            <a:lnRef idx="1">
+              <a:schemeClr val="accent1"/>
+            </a:lnRef>
+            <a:fillRef idx="0">
+              <a:schemeClr val="accent1"/>
+            </a:fillRef>
+            <a:effectRef idx="0">
+              <a:schemeClr val="accent1"/>
+            </a:effectRef>
+            <a:fontRef idx="minor">
+              <a:schemeClr val="tx1"/>
+            </a:fontRef>
+          </p:style>
+        </p:cxnSp>
+        <p:cxnSp>
+          <p:nvCxnSpPr>
+            <p:cNvPr id="298" name="Straight Arrow Connector 297"/>
+            <p:cNvCxnSpPr>
+              <a:stCxn id="366" idx="6"/>
+              <a:endCxn id="262" idx="2"/>
+            </p:cNvCxnSpPr>
+            <p:nvPr/>
+          </p:nvCxnSpPr>
+          <p:spPr>
+            <a:xfrm>
+              <a:off x="3109568" y="3004926"/>
+              <a:ext cx="3003314" cy="561483"/>
+            </a:xfrm>
+            <a:prstGeom prst="straightConnector1">
+              <a:avLst/>
+            </a:prstGeom>
+            <a:ln>
+              <a:solidFill>
+                <a:srgbClr val="00B050"/>
+              </a:solidFill>
+              <a:tailEnd type="triangle"/>
+            </a:ln>
+          </p:spPr>
+          <p:style>
+            <a:lnRef idx="1">
+              <a:schemeClr val="accent1"/>
+            </a:lnRef>
+            <a:fillRef idx="0">
+              <a:schemeClr val="accent1"/>
+            </a:fillRef>
+            <a:effectRef idx="0">
+              <a:schemeClr val="accent1"/>
+            </a:effectRef>
+            <a:fontRef idx="minor">
+              <a:schemeClr val="tx1"/>
+            </a:fontRef>
+          </p:style>
+        </p:cxnSp>
+        <p:sp>
+          <p:nvSpPr>
+            <p:cNvPr id="346" name="Oval 345"/>
+            <p:cNvSpPr/>
+            <p:nvPr/>
+          </p:nvSpPr>
+          <p:spPr>
+            <a:xfrm>
+              <a:off x="5333730" y="3841935"/>
+              <a:ext cx="1440000" cy="360000"/>
+            </a:xfrm>
+            <a:prstGeom prst="ellipse">
+              <a:avLst/>
+            </a:prstGeom>
+            <a:solidFill>
+              <a:schemeClr val="tx1"/>
+            </a:solidFill>
+            <a:ln>
+              <a:solidFill>
+                <a:schemeClr val="tx1"/>
+              </a:solidFill>
+            </a:ln>
+          </p:spPr>
+          <p:style>
+            <a:lnRef idx="2">
+              <a:schemeClr val="accent1">
+                <a:shade val="50000"/>
+              </a:schemeClr>
+            </a:lnRef>
+            <a:fillRef idx="1">
+              <a:schemeClr val="accent1"/>
+            </a:fillRef>
+            <a:effectRef idx="0">
+              <a:schemeClr val="accent1"/>
+            </a:effectRef>
+            <a:fontRef idx="minor">
+              <a:schemeClr val="lt1"/>
+            </a:fontRef>
+          </p:style>
+          <p:txBody>
+            <a:bodyPr rtlCol="0" anchor="ctr"/>
+            <a:lstStyle/>
+            <a:p>
+              <a:pPr algn="ctr"/>
+              <a:r>
+                <a:rPr lang="en-GB" sz="900" b="1" dirty="0" smtClean="0">
+                  <a:solidFill>
+                    <a:schemeClr val="bg1"/>
+                  </a:solidFill>
+                </a:rPr>
+                <a:t>Un authorised access</a:t>
+              </a:r>
+              <a:endParaRPr lang="en-GB" sz="900" b="1" dirty="0">
+                <a:solidFill>
+                  <a:schemeClr val="bg1"/>
+                </a:solidFill>
+              </a:endParaRPr>
+            </a:p>
+          </p:txBody>
+        </p:sp>
+        <p:cxnSp>
+          <p:nvCxnSpPr>
+            <p:cNvPr id="348" name="Straight Arrow Connector 347"/>
+            <p:cNvCxnSpPr>
+              <a:endCxn id="346" idx="6"/>
+            </p:cNvCxnSpPr>
+            <p:nvPr/>
+          </p:nvCxnSpPr>
+          <p:spPr>
+            <a:xfrm flipH="1" flipV="1">
+              <a:off x="6773730" y="4021935"/>
+              <a:ext cx="2279747" cy="815386"/>
+            </a:xfrm>
+            <a:prstGeom prst="straightConnector1">
+              <a:avLst/>
+            </a:prstGeom>
+            <a:ln>
+              <a:solidFill>
+                <a:schemeClr val="tx1"/>
+              </a:solidFill>
+              <a:tailEnd type="triangle"/>
+            </a:ln>
+          </p:spPr>
+          <p:style>
+            <a:lnRef idx="1">
+              <a:schemeClr val="accent1"/>
+            </a:lnRef>
+            <a:fillRef idx="0">
+              <a:schemeClr val="accent1"/>
+            </a:fillRef>
+            <a:effectRef idx="0">
+              <a:schemeClr val="accent1"/>
+            </a:effectRef>
+            <a:fontRef idx="minor">
+              <a:schemeClr val="tx1"/>
+            </a:fontRef>
+          </p:style>
+        </p:cxnSp>
+        <p:cxnSp>
+          <p:nvCxnSpPr>
+            <p:cNvPr id="349" name="Straight Arrow Connector 348"/>
+            <p:cNvCxnSpPr>
+              <a:stCxn id="429" idx="6"/>
+              <a:endCxn id="346" idx="2"/>
+            </p:cNvCxnSpPr>
+            <p:nvPr/>
+          </p:nvCxnSpPr>
+          <p:spPr>
+            <a:xfrm flipV="1">
+              <a:off x="4478076" y="4021935"/>
+              <a:ext cx="855654" cy="597859"/>
+            </a:xfrm>
+            <a:prstGeom prst="straightConnector1">
+              <a:avLst/>
+            </a:prstGeom>
+            <a:ln>
+              <a:solidFill>
+                <a:srgbClr val="00B050"/>
+              </a:solidFill>
+              <a:tailEnd type="triangle"/>
+            </a:ln>
+          </p:spPr>
+          <p:style>
+            <a:lnRef idx="1">
+              <a:schemeClr val="accent1"/>
+            </a:lnRef>
+            <a:fillRef idx="0">
+              <a:schemeClr val="accent1"/>
+            </a:fillRef>
+            <a:effectRef idx="0">
+              <a:schemeClr val="accent1"/>
+            </a:effectRef>
+            <a:fontRef idx="minor">
+              <a:schemeClr val="tx1"/>
+            </a:fontRef>
+          </p:style>
+        </p:cxnSp>
+        <p:sp>
+          <p:nvSpPr>
+            <p:cNvPr id="350" name="Rectangle 349"/>
+            <p:cNvSpPr/>
+            <p:nvPr/>
+          </p:nvSpPr>
+          <p:spPr>
+            <a:xfrm>
+              <a:off x="5149912" y="3561781"/>
+              <a:ext cx="633770" cy="130483"/>
+            </a:xfrm>
+            <a:prstGeom prst="rect">
+              <a:avLst/>
+            </a:prstGeom>
+            <a:solidFill>
+              <a:schemeClr val="bg1"/>
+            </a:solidFill>
+            <a:ln>
+              <a:solidFill>
+                <a:schemeClr val="bg1"/>
+              </a:solidFill>
+            </a:ln>
+          </p:spPr>
+          <p:style>
+            <a:lnRef idx="2">
+              <a:schemeClr val="accent1">
+                <a:shade val="50000"/>
+              </a:schemeClr>
+            </a:lnRef>
+            <a:fillRef idx="1">
+              <a:schemeClr val="accent1"/>
+            </a:fillRef>
+            <a:effectRef idx="0">
+              <a:schemeClr val="accent1"/>
+            </a:effectRef>
+            <a:fontRef idx="minor">
+              <a:schemeClr val="lt1"/>
+            </a:fontRef>
+          </p:style>
+          <p:txBody>
+            <a:bodyPr rtlCol="0" anchor="ctr"/>
+            <a:lstStyle/>
+            <a:p>
+              <a:pPr algn="ctr"/>
+              <a:r>
+                <a:rPr lang="en-GB" sz="800" b="1" dirty="0" smtClean="0">
+                  <a:ln w="0"/>
+                  <a:solidFill>
+                    <a:schemeClr val="tx1"/>
+                  </a:solidFill>
+                  <a:effectLst>
+                    <a:outerShdw blurRad="38100" dist="19050" dir="2700000" algn="tl" rotWithShape="0">
+                      <a:schemeClr val="dk1">
+                        <a:alpha val="40000"/>
+                      </a:schemeClr>
+                    </a:outerShdw>
+                  </a:effectLst>
+                </a:rPr>
+                <a:t>Threaten</a:t>
+              </a:r>
+              <a:endParaRPr lang="en-GB" sz="800" b="1" dirty="0">
+                <a:ln w="0"/>
+                <a:solidFill>
+                  <a:schemeClr val="tx1"/>
+                </a:solidFill>
+                <a:effectLst>
+                  <a:outerShdw blurRad="38100" dist="19050" dir="2700000" algn="tl" rotWithShape="0">
+                    <a:schemeClr val="dk1">
+                      <a:alpha val="40000"/>
+                    </a:schemeClr>
+                  </a:outerShdw>
+                </a:effectLst>
+              </a:endParaRPr>
+            </a:p>
+          </p:txBody>
+        </p:sp>
+        <p:grpSp>
+          <p:nvGrpSpPr>
+            <p:cNvPr id="351" name="Group 350"/>
+            <p:cNvGrpSpPr/>
+            <p:nvPr/>
+          </p:nvGrpSpPr>
+          <p:grpSpPr>
+            <a:xfrm>
+              <a:off x="5851763" y="4173346"/>
+              <a:ext cx="675241" cy="278410"/>
+              <a:chOff x="610173" y="3432008"/>
+              <a:chExt cx="639466" cy="324000"/>
+            </a:xfrm>
+          </p:grpSpPr>
+          <p:cxnSp>
+            <p:nvCxnSpPr>
+              <p:cNvPr id="354" name="Straight Arrow Connector 353"/>
+              <p:cNvCxnSpPr/>
+              <p:nvPr/>
+            </p:nvCxnSpPr>
+            <p:spPr>
+              <a:xfrm flipH="1">
+                <a:off x="911297" y="3432008"/>
+                <a:ext cx="6675" cy="324000"/>
+              </a:xfrm>
+              <a:prstGeom prst="straightConnector1">
+                <a:avLst/>
+              </a:prstGeom>
+              <a:ln>
+                <a:solidFill>
+                  <a:schemeClr val="tx1"/>
+                </a:solidFill>
+                <a:tailEnd type="triangle"/>
+              </a:ln>
+            </p:spPr>
+            <p:style>
+              <a:lnRef idx="1">
+                <a:schemeClr val="accent1"/>
+              </a:lnRef>
+              <a:fillRef idx="0">
+                <a:schemeClr val="accent1"/>
+              </a:fillRef>
+              <a:effectRef idx="0">
+                <a:schemeClr val="accent1"/>
+              </a:effectRef>
+              <a:fontRef idx="minor">
+                <a:schemeClr val="tx1"/>
+              </a:fontRef>
+            </p:style>
+          </p:cxnSp>
+          <p:sp>
+            <p:nvSpPr>
+              <p:cNvPr id="355" name="Rectangle 354"/>
+              <p:cNvSpPr/>
+              <p:nvPr/>
+            </p:nvSpPr>
+            <p:spPr>
+              <a:xfrm>
+                <a:off x="610173" y="3502760"/>
+                <a:ext cx="639466" cy="108000"/>
+              </a:xfrm>
+              <a:prstGeom prst="rect">
+                <a:avLst/>
+              </a:prstGeom>
+              <a:solidFill>
+                <a:schemeClr val="bg1"/>
+              </a:solidFill>
+              <a:ln>
+                <a:solidFill>
+                  <a:schemeClr val="bg1"/>
+                </a:solidFill>
+              </a:ln>
+            </p:spPr>
+            <p:style>
+              <a:lnRef idx="2">
+                <a:schemeClr val="accent1">
+                  <a:shade val="50000"/>
+                </a:schemeClr>
+              </a:lnRef>
+              <a:fillRef idx="1">
+                <a:schemeClr val="accent1"/>
+              </a:fillRef>
+              <a:effectRef idx="0">
+                <a:schemeClr val="accent1"/>
+              </a:effectRef>
+              <a:fontRef idx="minor">
+                <a:schemeClr val="lt1"/>
+              </a:fontRef>
+            </p:style>
+            <p:txBody>
+              <a:bodyPr rtlCol="0" anchor="ctr"/>
+              <a:lstStyle/>
+              <a:p>
+                <a:pPr algn="ctr"/>
+                <a:r>
+                  <a:rPr lang="en-GB" sz="800" b="1" dirty="0" smtClean="0">
+                    <a:ln w="0"/>
+                    <a:solidFill>
+                      <a:schemeClr val="tx1"/>
+                    </a:solidFill>
+                    <a:effectLst>
+                      <a:outerShdw blurRad="38100" dist="19050" dir="2700000" algn="tl" rotWithShape="0">
+                        <a:schemeClr val="dk1">
+                          <a:alpha val="40000"/>
+                        </a:schemeClr>
+                      </a:outerShdw>
+                    </a:effectLst>
+                  </a:rPr>
+                  <a:t>Include</a:t>
+                </a:r>
+                <a:endParaRPr lang="en-GB" sz="800" b="1" dirty="0">
+                  <a:ln w="0"/>
+                  <a:solidFill>
+                    <a:schemeClr val="tx1"/>
+                  </a:solidFill>
+                  <a:effectLst>
+                    <a:outerShdw blurRad="38100" dist="19050" dir="2700000" algn="tl" rotWithShape="0">
+                      <a:schemeClr val="dk1">
+                        <a:alpha val="40000"/>
+                      </a:schemeClr>
+                    </a:outerShdw>
+                  </a:effectLst>
+                </a:endParaRPr>
+              </a:p>
+            </p:txBody>
+          </p:sp>
+        </p:grpSp>
+        <p:grpSp>
+          <p:nvGrpSpPr>
+            <p:cNvPr id="357" name="Group 356"/>
+            <p:cNvGrpSpPr/>
+            <p:nvPr/>
+          </p:nvGrpSpPr>
+          <p:grpSpPr>
+            <a:xfrm>
+              <a:off x="6062040" y="4807209"/>
+              <a:ext cx="675241" cy="278410"/>
+              <a:chOff x="610173" y="3432008"/>
+              <a:chExt cx="639466" cy="324000"/>
+            </a:xfrm>
+          </p:grpSpPr>
+          <p:cxnSp>
+            <p:nvCxnSpPr>
+              <p:cNvPr id="358" name="Straight Arrow Connector 357"/>
+              <p:cNvCxnSpPr/>
+              <p:nvPr/>
+            </p:nvCxnSpPr>
+            <p:spPr>
+              <a:xfrm flipH="1">
+                <a:off x="911297" y="3432008"/>
+                <a:ext cx="6675" cy="324000"/>
+              </a:xfrm>
+              <a:prstGeom prst="straightConnector1">
+                <a:avLst/>
+              </a:prstGeom>
+              <a:ln>
+                <a:solidFill>
+                  <a:schemeClr val="tx1"/>
+                </a:solidFill>
+                <a:tailEnd type="triangle"/>
+              </a:ln>
+            </p:spPr>
+            <p:style>
+              <a:lnRef idx="1">
+                <a:schemeClr val="accent1"/>
+              </a:lnRef>
+              <a:fillRef idx="0">
+                <a:schemeClr val="accent1"/>
+              </a:fillRef>
+              <a:effectRef idx="0">
+                <a:schemeClr val="accent1"/>
+              </a:effectRef>
+              <a:fontRef idx="minor">
+                <a:schemeClr val="tx1"/>
+              </a:fontRef>
+            </p:style>
+          </p:cxnSp>
+          <p:sp>
+            <p:nvSpPr>
+              <p:cNvPr id="359" name="Rectangle 358"/>
+              <p:cNvSpPr/>
+              <p:nvPr/>
+            </p:nvSpPr>
+            <p:spPr>
+              <a:xfrm>
+                <a:off x="610173" y="3502760"/>
+                <a:ext cx="639466" cy="108000"/>
+              </a:xfrm>
+              <a:prstGeom prst="rect">
+                <a:avLst/>
+              </a:prstGeom>
+              <a:solidFill>
+                <a:schemeClr val="bg1"/>
+              </a:solidFill>
+              <a:ln>
+                <a:solidFill>
+                  <a:schemeClr val="bg1"/>
+                </a:solidFill>
+              </a:ln>
+            </p:spPr>
+            <p:style>
+              <a:lnRef idx="2">
+                <a:schemeClr val="accent1">
+                  <a:shade val="50000"/>
+                </a:schemeClr>
+              </a:lnRef>
+              <a:fillRef idx="1">
+                <a:schemeClr val="accent1"/>
+              </a:fillRef>
+              <a:effectRef idx="0">
+                <a:schemeClr val="accent1"/>
+              </a:effectRef>
+              <a:fontRef idx="minor">
+                <a:schemeClr val="lt1"/>
+              </a:fontRef>
+            </p:style>
+            <p:txBody>
+              <a:bodyPr rtlCol="0" anchor="ctr"/>
+              <a:lstStyle/>
+              <a:p>
+                <a:pPr algn="ctr"/>
+                <a:r>
+                  <a:rPr lang="en-GB" sz="800" b="1" dirty="0" smtClean="0">
+                    <a:ln w="0"/>
+                    <a:solidFill>
+                      <a:schemeClr val="tx1"/>
+                    </a:solidFill>
+                    <a:effectLst>
+                      <a:outerShdw blurRad="38100" dist="19050" dir="2700000" algn="tl" rotWithShape="0">
+                        <a:schemeClr val="dk1">
+                          <a:alpha val="40000"/>
+                        </a:schemeClr>
+                      </a:outerShdw>
+                    </a:effectLst>
+                  </a:rPr>
+                  <a:t>Include</a:t>
+                </a:r>
+                <a:endParaRPr lang="en-GB" sz="800" b="1" dirty="0">
+                  <a:ln w="0"/>
+                  <a:solidFill>
+                    <a:schemeClr val="tx1"/>
+                  </a:solidFill>
+                  <a:effectLst>
+                    <a:outerShdw blurRad="38100" dist="19050" dir="2700000" algn="tl" rotWithShape="0">
+                      <a:schemeClr val="dk1">
+                        <a:alpha val="40000"/>
+                      </a:schemeClr>
+                    </a:outerShdw>
+                  </a:effectLst>
+                </a:endParaRPr>
+              </a:p>
+            </p:txBody>
+          </p:sp>
+        </p:grpSp>
+        <p:sp>
+          <p:nvSpPr>
+            <p:cNvPr id="370" name="Rectangle 369"/>
+            <p:cNvSpPr/>
+            <p:nvPr/>
+          </p:nvSpPr>
+          <p:spPr>
+            <a:xfrm>
+              <a:off x="4641348" y="4240048"/>
+              <a:ext cx="639466" cy="108000"/>
+            </a:xfrm>
+            <a:prstGeom prst="rect">
+              <a:avLst/>
+            </a:prstGeom>
+            <a:solidFill>
+              <a:schemeClr val="bg1"/>
+            </a:solidFill>
+            <a:ln>
+              <a:solidFill>
+                <a:schemeClr val="bg1"/>
+              </a:solidFill>
+            </a:ln>
+          </p:spPr>
+          <p:style>
+            <a:lnRef idx="2">
+              <a:schemeClr val="accent1">
+                <a:shade val="50000"/>
+              </a:schemeClr>
+            </a:lnRef>
+            <a:fillRef idx="1">
+              <a:schemeClr val="accent1"/>
+            </a:fillRef>
+            <a:effectRef idx="0">
+              <a:schemeClr val="accent1"/>
+            </a:effectRef>
+            <a:fontRef idx="minor">
+              <a:schemeClr val="lt1"/>
+            </a:fontRef>
+          </p:style>
+          <p:txBody>
+            <a:bodyPr rtlCol="0" anchor="ctr"/>
+            <a:lstStyle/>
+            <a:p>
+              <a:pPr algn="ctr"/>
+              <a:r>
+                <a:rPr lang="en-GB" sz="800" b="1" dirty="0" smtClean="0">
+                  <a:ln w="0"/>
+                  <a:solidFill>
+                    <a:schemeClr val="tx1"/>
+                  </a:solidFill>
+                  <a:effectLst>
+                    <a:outerShdw blurRad="38100" dist="19050" dir="2700000" algn="tl" rotWithShape="0">
+                      <a:schemeClr val="dk1">
+                        <a:alpha val="40000"/>
+                      </a:schemeClr>
+                    </a:outerShdw>
+                  </a:effectLst>
+                </a:rPr>
+                <a:t>Mitigate</a:t>
+              </a:r>
+              <a:endParaRPr lang="en-GB" sz="800" b="1" dirty="0">
+                <a:ln w="0"/>
+                <a:solidFill>
+                  <a:schemeClr val="tx1"/>
+                </a:solidFill>
+                <a:effectLst>
+                  <a:outerShdw blurRad="38100" dist="19050" dir="2700000" algn="tl" rotWithShape="0">
+                    <a:schemeClr val="dk1">
+                      <a:alpha val="40000"/>
+                    </a:schemeClr>
+                  </a:outerShdw>
+                </a:effectLst>
               </a:endParaRPr>
             </a:p>
           </p:txBody>

--- a/MSc Work/MSC_Project/Usecase diagram.pptx
+++ b/MSc Work/MSC_Project/Usecase diagram.pptx
@@ -243,7 +243,7 @@
           <a:p>
             <a:fld id="{4DBBCBF5-3671-4075-825D-8D6770F701C6}" type="datetimeFigureOut">
               <a:rPr lang="en-GB" smtClean="0"/>
-              <a:t>02/07/2019</a:t>
+              <a:t>03/07/2019</a:t>
             </a:fld>
             <a:endParaRPr lang="en-GB"/>
           </a:p>
@@ -413,7 +413,7 @@
           <a:p>
             <a:fld id="{4DBBCBF5-3671-4075-825D-8D6770F701C6}" type="datetimeFigureOut">
               <a:rPr lang="en-GB" smtClean="0"/>
-              <a:t>02/07/2019</a:t>
+              <a:t>03/07/2019</a:t>
             </a:fld>
             <a:endParaRPr lang="en-GB"/>
           </a:p>
@@ -593,7 +593,7 @@
           <a:p>
             <a:fld id="{4DBBCBF5-3671-4075-825D-8D6770F701C6}" type="datetimeFigureOut">
               <a:rPr lang="en-GB" smtClean="0"/>
-              <a:t>02/07/2019</a:t>
+              <a:t>03/07/2019</a:t>
             </a:fld>
             <a:endParaRPr lang="en-GB"/>
           </a:p>
@@ -763,7 +763,7 @@
           <a:p>
             <a:fld id="{4DBBCBF5-3671-4075-825D-8D6770F701C6}" type="datetimeFigureOut">
               <a:rPr lang="en-GB" smtClean="0"/>
-              <a:t>02/07/2019</a:t>
+              <a:t>03/07/2019</a:t>
             </a:fld>
             <a:endParaRPr lang="en-GB"/>
           </a:p>
@@ -1007,7 +1007,7 @@
           <a:p>
             <a:fld id="{4DBBCBF5-3671-4075-825D-8D6770F701C6}" type="datetimeFigureOut">
               <a:rPr lang="en-GB" smtClean="0"/>
-              <a:t>02/07/2019</a:t>
+              <a:t>03/07/2019</a:t>
             </a:fld>
             <a:endParaRPr lang="en-GB"/>
           </a:p>
@@ -1239,7 +1239,7 @@
           <a:p>
             <a:fld id="{4DBBCBF5-3671-4075-825D-8D6770F701C6}" type="datetimeFigureOut">
               <a:rPr lang="en-GB" smtClean="0"/>
-              <a:t>02/07/2019</a:t>
+              <a:t>03/07/2019</a:t>
             </a:fld>
             <a:endParaRPr lang="en-GB"/>
           </a:p>
@@ -1606,7 +1606,7 @@
           <a:p>
             <a:fld id="{4DBBCBF5-3671-4075-825D-8D6770F701C6}" type="datetimeFigureOut">
               <a:rPr lang="en-GB" smtClean="0"/>
-              <a:t>02/07/2019</a:t>
+              <a:t>03/07/2019</a:t>
             </a:fld>
             <a:endParaRPr lang="en-GB"/>
           </a:p>
@@ -1724,7 +1724,7 @@
           <a:p>
             <a:fld id="{4DBBCBF5-3671-4075-825D-8D6770F701C6}" type="datetimeFigureOut">
               <a:rPr lang="en-GB" smtClean="0"/>
-              <a:t>02/07/2019</a:t>
+              <a:t>03/07/2019</a:t>
             </a:fld>
             <a:endParaRPr lang="en-GB"/>
           </a:p>
@@ -1819,7 +1819,7 @@
           <a:p>
             <a:fld id="{4DBBCBF5-3671-4075-825D-8D6770F701C6}" type="datetimeFigureOut">
               <a:rPr lang="en-GB" smtClean="0"/>
-              <a:t>02/07/2019</a:t>
+              <a:t>03/07/2019</a:t>
             </a:fld>
             <a:endParaRPr lang="en-GB"/>
           </a:p>
@@ -2096,7 +2096,7 @@
           <a:p>
             <a:fld id="{4DBBCBF5-3671-4075-825D-8D6770F701C6}" type="datetimeFigureOut">
               <a:rPr lang="en-GB" smtClean="0"/>
-              <a:t>02/07/2019</a:t>
+              <a:t>03/07/2019</a:t>
             </a:fld>
             <a:endParaRPr lang="en-GB"/>
           </a:p>
@@ -2353,7 +2353,7 @@
           <a:p>
             <a:fld id="{4DBBCBF5-3671-4075-825D-8D6770F701C6}" type="datetimeFigureOut">
               <a:rPr lang="en-GB" smtClean="0"/>
-              <a:t>02/07/2019</a:t>
+              <a:t>03/07/2019</a:t>
             </a:fld>
             <a:endParaRPr lang="en-GB"/>
           </a:p>
@@ -2566,7 +2566,7 @@
           <a:p>
             <a:fld id="{4DBBCBF5-3671-4075-825D-8D6770F701C6}" type="datetimeFigureOut">
               <a:rPr lang="en-GB" smtClean="0"/>
-              <a:t>02/07/2019</a:t>
+              <a:t>03/07/2019</a:t>
             </a:fld>
             <a:endParaRPr lang="en-GB"/>
           </a:p>
@@ -9253,10 +9253,10 @@
           </p:nvGrpSpPr>
           <p:grpSpPr>
             <a:xfrm>
-              <a:off x="3771920" y="2918575"/>
-              <a:ext cx="674123" cy="1509880"/>
-              <a:chOff x="3789704" y="3993851"/>
-              <a:chExt cx="674123" cy="1509880"/>
+              <a:off x="3771920" y="2909954"/>
+              <a:ext cx="798545" cy="1518501"/>
+              <a:chOff x="3789704" y="3985230"/>
+              <a:chExt cx="798545" cy="1518501"/>
             </a:xfrm>
           </p:grpSpPr>
           <p:cxnSp>
@@ -9302,9 +9302,9 @@
               <p:nvPr/>
             </p:nvCxnSpPr>
             <p:spPr>
-              <a:xfrm>
-                <a:off x="3802912" y="3993851"/>
-                <a:ext cx="660915" cy="0"/>
+              <a:xfrm flipV="1">
+                <a:off x="3802912" y="3985230"/>
+                <a:ext cx="785337" cy="0"/>
               </a:xfrm>
               <a:prstGeom prst="line">
                 <a:avLst/>
@@ -11373,8 +11373,8 @@
           </p:nvSpPr>
           <p:spPr>
             <a:xfrm>
-              <a:off x="1834574" y="3498017"/>
-              <a:ext cx="1101482" cy="309981"/>
+              <a:off x="1834573" y="3498017"/>
+              <a:ext cx="1559745" cy="752886"/>
             </a:xfrm>
             <a:prstGeom prst="ellipse">
               <a:avLst/>
@@ -11418,8 +11418,43 @@
                     <a:schemeClr val="tx1"/>
                   </a:solidFill>
                 </a:rPr>
-                <a:t>Validate user Input</a:t>
+                <a:t>Validate user </a:t>
               </a:r>
+              <a:r>
+                <a:rPr lang="en-GB" sz="700" b="1" dirty="0" smtClean="0">
+                  <a:solidFill>
+                    <a:schemeClr val="tx1"/>
+                  </a:solidFill>
+                </a:rPr>
+                <a:t>Input,</a:t>
+              </a:r>
+            </a:p>
+            <a:p>
+              <a:pPr algn="ctr"/>
+              <a:r>
+                <a:rPr lang="en-GB" sz="700" b="1" dirty="0">
+                  <a:solidFill>
+                    <a:schemeClr val="tx1"/>
+                  </a:solidFill>
+                </a:rPr>
+                <a:t>Strip unwanted </a:t>
+              </a:r>
+              <a:r>
+                <a:rPr lang="en-GB" sz="700" b="1" dirty="0" smtClean="0">
+                  <a:solidFill>
+                    <a:schemeClr val="tx1"/>
+                  </a:solidFill>
+                </a:rPr>
+                <a:t>characters, Use prepared statements </a:t>
+              </a:r>
+              <a:endParaRPr lang="en-GB" sz="700" b="1" dirty="0">
+                <a:solidFill>
+                  <a:schemeClr val="tx1"/>
+                </a:solidFill>
+              </a:endParaRPr>
+            </a:p>
+            <a:p>
+              <a:pPr algn="ctr"/>
               <a:endParaRPr lang="en-GB" sz="700" b="1" dirty="0">
                 <a:solidFill>
                   <a:schemeClr val="tx1"/>
@@ -11628,46 +11663,8 @@
           </p:nvCxnSpPr>
           <p:spPr>
             <a:xfrm flipV="1">
-              <a:off x="455545" y="3653008"/>
-              <a:ext cx="1379029" cy="906224"/>
-            </a:xfrm>
-            <a:prstGeom prst="straightConnector1">
-              <a:avLst/>
-            </a:prstGeom>
-            <a:ln>
-              <a:solidFill>
-                <a:schemeClr val="tx1"/>
-              </a:solidFill>
-              <a:tailEnd type="triangle"/>
-            </a:ln>
-          </p:spPr>
-          <p:style>
-            <a:lnRef idx="1">
-              <a:schemeClr val="accent1"/>
-            </a:lnRef>
-            <a:fillRef idx="0">
-              <a:schemeClr val="accent1"/>
-            </a:fillRef>
-            <a:effectRef idx="0">
-              <a:schemeClr val="accent1"/>
-            </a:effectRef>
-            <a:fontRef idx="minor">
-              <a:schemeClr val="tx1"/>
-            </a:fontRef>
-          </p:style>
-        </p:cxnSp>
-        <p:cxnSp>
-          <p:nvCxnSpPr>
-            <p:cNvPr id="374" name="Straight Arrow Connector 373"/>
-            <p:cNvCxnSpPr>
-              <a:endCxn id="430" idx="2"/>
-            </p:cNvCxnSpPr>
-            <p:nvPr/>
-          </p:nvCxnSpPr>
-          <p:spPr>
-            <a:xfrm flipV="1">
-              <a:off x="448053" y="4234818"/>
-              <a:ext cx="1348791" cy="336231"/>
+              <a:off x="455545" y="3874460"/>
+              <a:ext cx="1379028" cy="684774"/>
             </a:xfrm>
             <a:prstGeom prst="straightConnector1">
               <a:avLst/>
@@ -11704,47 +11701,8 @@
           </p:nvCxnSpPr>
           <p:spPr>
             <a:xfrm>
-              <a:off x="2936056" y="3653008"/>
-              <a:ext cx="2455322" cy="268404"/>
-            </a:xfrm>
-            <a:prstGeom prst="straightConnector1">
-              <a:avLst/>
-            </a:prstGeom>
-            <a:ln>
-              <a:solidFill>
-                <a:srgbClr val="00B050"/>
-              </a:solidFill>
-              <a:tailEnd type="triangle"/>
-            </a:ln>
-          </p:spPr>
-          <p:style>
-            <a:lnRef idx="1">
-              <a:schemeClr val="accent1"/>
-            </a:lnRef>
-            <a:fillRef idx="0">
-              <a:schemeClr val="accent1"/>
-            </a:fillRef>
-            <a:effectRef idx="0">
-              <a:schemeClr val="accent1"/>
-            </a:effectRef>
-            <a:fontRef idx="minor">
-              <a:schemeClr val="tx1"/>
-            </a:fontRef>
-          </p:style>
-        </p:cxnSp>
-        <p:cxnSp>
-          <p:nvCxnSpPr>
-            <p:cNvPr id="387" name="Straight Arrow Connector 386"/>
-            <p:cNvCxnSpPr>
-              <a:stCxn id="430" idx="6"/>
-              <a:endCxn id="304" idx="2"/>
-            </p:cNvCxnSpPr>
-            <p:nvPr/>
-          </p:nvCxnSpPr>
-          <p:spPr>
-            <a:xfrm>
-              <a:off x="3068925" y="4234818"/>
-              <a:ext cx="2467133" cy="384047"/>
+              <a:off x="3394318" y="3874460"/>
+              <a:ext cx="2231818" cy="663218"/>
             </a:xfrm>
             <a:prstGeom prst="straightConnector1">
               <a:avLst/>
@@ -11779,7 +11737,7 @@
           </p:nvSpPr>
           <p:spPr>
             <a:xfrm>
-              <a:off x="4114540" y="3297087"/>
+              <a:off x="3965828" y="3180712"/>
               <a:ext cx="639466" cy="108000"/>
             </a:xfrm>
             <a:prstGeom prst="rect">
@@ -11855,7 +11813,7 @@
           </p:nvSpPr>
           <p:spPr>
             <a:xfrm>
-              <a:off x="4140368" y="3753998"/>
+              <a:off x="3876452" y="4080867"/>
               <a:ext cx="639466" cy="108000"/>
             </a:xfrm>
             <a:prstGeom prst="rect">
@@ -12372,69 +12330,6 @@
         </p:cxnSp>
         <p:sp>
           <p:nvSpPr>
-            <p:cNvPr id="430" name="Oval 429"/>
-            <p:cNvSpPr/>
-            <p:nvPr/>
-          </p:nvSpPr>
-          <p:spPr>
-            <a:xfrm>
-              <a:off x="1796844" y="4087671"/>
-              <a:ext cx="1272081" cy="294293"/>
-            </a:xfrm>
-            <a:prstGeom prst="ellipse">
-              <a:avLst/>
-            </a:prstGeom>
-            <a:solidFill>
-              <a:schemeClr val="accent1">
-                <a:lumMod val="20000"/>
-                <a:lumOff val="80000"/>
-              </a:schemeClr>
-            </a:solidFill>
-            <a:ln>
-              <a:solidFill>
-                <a:schemeClr val="tx1"/>
-              </a:solidFill>
-            </a:ln>
-          </p:spPr>
-          <p:style>
-            <a:lnRef idx="2">
-              <a:schemeClr val="accent1">
-                <a:shade val="50000"/>
-              </a:schemeClr>
-            </a:lnRef>
-            <a:fillRef idx="1">
-              <a:schemeClr val="accent1"/>
-            </a:fillRef>
-            <a:effectRef idx="0">
-              <a:schemeClr val="accent1"/>
-            </a:effectRef>
-            <a:fontRef idx="minor">
-              <a:schemeClr val="lt1"/>
-            </a:fontRef>
-          </p:style>
-          <p:txBody>
-            <a:bodyPr rtlCol="0" anchor="ctr"/>
-            <a:lstStyle/>
-            <a:p>
-              <a:pPr algn="ctr"/>
-              <a:r>
-                <a:rPr lang="en-GB" sz="700" b="1" dirty="0" smtClean="0">
-                  <a:solidFill>
-                    <a:schemeClr val="tx1"/>
-                  </a:solidFill>
-                </a:rPr>
-                <a:t>Strip unwanted characters</a:t>
-              </a:r>
-              <a:endParaRPr lang="en-GB" sz="700" b="1" dirty="0">
-                <a:solidFill>
-                  <a:schemeClr val="tx1"/>
-                </a:solidFill>
-              </a:endParaRPr>
-            </a:p>
-          </p:txBody>
-        </p:sp>
-        <p:sp>
-          <p:nvSpPr>
             <p:cNvPr id="262" name="Oval 261"/>
             <p:cNvSpPr/>
             <p:nvPr/>
@@ -12531,133 +12426,6 @@
             </a:fontRef>
           </p:style>
         </p:cxnSp>
-        <p:grpSp>
-          <p:nvGrpSpPr>
-            <p:cNvPr id="274" name="Group 273"/>
-            <p:cNvGrpSpPr/>
-            <p:nvPr/>
-          </p:nvGrpSpPr>
-          <p:grpSpPr>
-            <a:xfrm>
-              <a:off x="2139150" y="3797444"/>
-              <a:ext cx="563858" cy="278410"/>
-              <a:chOff x="610173" y="3432008"/>
-              <a:chExt cx="639466" cy="324000"/>
-            </a:xfrm>
-          </p:grpSpPr>
-          <p:cxnSp>
-            <p:nvCxnSpPr>
-              <p:cNvPr id="276" name="Straight Arrow Connector 275"/>
-              <p:cNvCxnSpPr/>
-              <p:nvPr/>
-            </p:nvCxnSpPr>
-            <p:spPr>
-              <a:xfrm flipH="1">
-                <a:off x="911297" y="3432008"/>
-                <a:ext cx="6675" cy="324000"/>
-              </a:xfrm>
-              <a:prstGeom prst="straightConnector1">
-                <a:avLst/>
-              </a:prstGeom>
-              <a:ln>
-                <a:solidFill>
-                  <a:schemeClr val="tx1"/>
-                </a:solidFill>
-                <a:tailEnd type="triangle"/>
-              </a:ln>
-            </p:spPr>
-            <p:style>
-              <a:lnRef idx="1">
-                <a:schemeClr val="accent1"/>
-              </a:lnRef>
-              <a:fillRef idx="0">
-                <a:schemeClr val="accent1"/>
-              </a:fillRef>
-              <a:effectRef idx="0">
-                <a:schemeClr val="accent1"/>
-              </a:effectRef>
-              <a:fontRef idx="minor">
-                <a:schemeClr val="tx1"/>
-              </a:fontRef>
-            </p:style>
-          </p:cxnSp>
-          <p:sp>
-            <p:nvSpPr>
-              <p:cNvPr id="278" name="Rectangle 277"/>
-              <p:cNvSpPr/>
-              <p:nvPr/>
-            </p:nvSpPr>
-            <p:spPr>
-              <a:xfrm>
-                <a:off x="610173" y="3502760"/>
-                <a:ext cx="639466" cy="108000"/>
-              </a:xfrm>
-              <a:prstGeom prst="rect">
-                <a:avLst/>
-              </a:prstGeom>
-              <a:solidFill>
-                <a:schemeClr val="bg1"/>
-              </a:solidFill>
-              <a:ln>
-                <a:solidFill>
-                  <a:schemeClr val="bg1"/>
-                </a:solidFill>
-              </a:ln>
-            </p:spPr>
-            <p:style>
-              <a:lnRef idx="2">
-                <a:schemeClr val="accent1">
-                  <a:shade val="50000"/>
-                </a:schemeClr>
-              </a:lnRef>
-              <a:fillRef idx="1">
-                <a:schemeClr val="accent1"/>
-              </a:fillRef>
-              <a:effectRef idx="0">
-                <a:schemeClr val="accent1"/>
-              </a:effectRef>
-              <a:fontRef idx="minor">
-                <a:schemeClr val="lt1"/>
-              </a:fontRef>
-            </p:style>
-            <p:txBody>
-              <a:bodyPr rtlCol="0" anchor="ctr"/>
-              <a:lstStyle/>
-              <a:p>
-                <a:pPr algn="ctr"/>
-                <a:r>
-                  <a:rPr lang="en-GB" sz="800" b="1" dirty="0" smtClean="0">
-                    <a:ln w="0"/>
-                    <a:solidFill>
-                      <a:schemeClr val="tx1"/>
-                    </a:solidFill>
-                    <a:effectLst>
-                      <a:outerShdw blurRad="38100" dist="19050" dir="2700000" algn="tl" rotWithShape="0">
-                        <a:schemeClr val="dk1">
-                          <a:alpha val="40000"/>
-                        </a:schemeClr>
-                      </a:outerShdw>
-                    </a:effectLst>
-                  </a:rPr>
-                  <a:t>Include</a:t>
-                </a:r>
-                <a:endParaRPr lang="en-GB" sz="800" b="1" dirty="0">
-                  <a:ln w="0"/>
-                  <a:solidFill>
-                    <a:schemeClr val="tx1"/>
-                  </a:solidFill>
-                  <a:effectLst>
-                    <a:outerShdw blurRad="38100" dist="19050" dir="2700000" algn="tl" rotWithShape="0">
-                      <a:schemeClr val="dk1">
-                        <a:alpha val="40000"/>
-                      </a:schemeClr>
-                    </a:outerShdw>
-                  </a:effectLst>
-                </a:endParaRPr>
-              </a:p>
-            </p:txBody>
-          </p:sp>
-        </p:grpSp>
         <p:cxnSp>
           <p:nvCxnSpPr>
             <p:cNvPr id="289" name="Straight Arrow Connector 288"/>
@@ -13210,7 +12978,7 @@
           </p:nvSpPr>
           <p:spPr>
             <a:xfrm>
-              <a:off x="4641348" y="4240048"/>
+              <a:off x="4710114" y="4148599"/>
               <a:ext cx="639466" cy="108000"/>
             </a:xfrm>
             <a:prstGeom prst="rect">
